--- a/Chap/OOProg02/Presentations/FuncAsParam.pptx
+++ b/Chap/OOProg02/Presentations/FuncAsParam.pptx
@@ -30,19 +30,21 @@
     <p:sldId id="294" r:id="rId24"/>
     <p:sldId id="295" r:id="rId25"/>
     <p:sldId id="296" r:id="rId26"/>
-    <p:sldId id="297" r:id="rId27"/>
-    <p:sldId id="298" r:id="rId28"/>
-    <p:sldId id="299" r:id="rId29"/>
-    <p:sldId id="300" r:id="rId30"/>
-    <p:sldId id="301" r:id="rId31"/>
-    <p:sldId id="303" r:id="rId32"/>
-    <p:sldId id="302" r:id="rId33"/>
-    <p:sldId id="270" r:id="rId34"/>
-    <p:sldId id="272" r:id="rId35"/>
-    <p:sldId id="304" r:id="rId36"/>
-    <p:sldId id="305" r:id="rId37"/>
-    <p:sldId id="260" r:id="rId38"/>
-    <p:sldId id="274" r:id="rId39"/>
+    <p:sldId id="309" r:id="rId27"/>
+    <p:sldId id="297" r:id="rId28"/>
+    <p:sldId id="298" r:id="rId29"/>
+    <p:sldId id="299" r:id="rId30"/>
+    <p:sldId id="300" r:id="rId31"/>
+    <p:sldId id="301" r:id="rId32"/>
+    <p:sldId id="303" r:id="rId33"/>
+    <p:sldId id="302" r:id="rId34"/>
+    <p:sldId id="270" r:id="rId35"/>
+    <p:sldId id="272" r:id="rId36"/>
+    <p:sldId id="304" r:id="rId37"/>
+    <p:sldId id="305" r:id="rId38"/>
+    <p:sldId id="260" r:id="rId39"/>
+    <p:sldId id="274" r:id="rId40"/>
+    <p:sldId id="310" r:id="rId41"/>
   </p:sldIdLst>
   <p:sldSz cx="12192000" cy="6858000"/>
   <p:notesSz cx="6858000" cy="9144000"/>
@@ -280,7 +282,7 @@
           <a:p>
             <a:fld id="{E15B7D8E-2A20-4C0E-991C-872DBB7459A8}" type="datetimeFigureOut">
               <a:rPr lang="da-DK" smtClean="0"/>
-              <a:t>14-02-2018</a:t>
+              <a:t>16-09-2018</a:t>
             </a:fld>
             <a:endParaRPr lang="da-DK"/>
           </a:p>
@@ -450,7 +452,7 @@
           <a:p>
             <a:fld id="{E15B7D8E-2A20-4C0E-991C-872DBB7459A8}" type="datetimeFigureOut">
               <a:rPr lang="da-DK" smtClean="0"/>
-              <a:t>14-02-2018</a:t>
+              <a:t>16-09-2018</a:t>
             </a:fld>
             <a:endParaRPr lang="da-DK"/>
           </a:p>
@@ -630,7 +632,7 @@
           <a:p>
             <a:fld id="{E15B7D8E-2A20-4C0E-991C-872DBB7459A8}" type="datetimeFigureOut">
               <a:rPr lang="da-DK" smtClean="0"/>
-              <a:t>14-02-2018</a:t>
+              <a:t>16-09-2018</a:t>
             </a:fld>
             <a:endParaRPr lang="da-DK"/>
           </a:p>
@@ -800,7 +802,7 @@
           <a:p>
             <a:fld id="{E15B7D8E-2A20-4C0E-991C-872DBB7459A8}" type="datetimeFigureOut">
               <a:rPr lang="da-DK" smtClean="0"/>
-              <a:t>14-02-2018</a:t>
+              <a:t>16-09-2018</a:t>
             </a:fld>
             <a:endParaRPr lang="da-DK"/>
           </a:p>
@@ -1046,7 +1048,7 @@
           <a:p>
             <a:fld id="{E15B7D8E-2A20-4C0E-991C-872DBB7459A8}" type="datetimeFigureOut">
               <a:rPr lang="da-DK" smtClean="0"/>
-              <a:t>14-02-2018</a:t>
+              <a:t>16-09-2018</a:t>
             </a:fld>
             <a:endParaRPr lang="da-DK"/>
           </a:p>
@@ -1278,7 +1280,7 @@
           <a:p>
             <a:fld id="{E15B7D8E-2A20-4C0E-991C-872DBB7459A8}" type="datetimeFigureOut">
               <a:rPr lang="da-DK" smtClean="0"/>
-              <a:t>14-02-2018</a:t>
+              <a:t>16-09-2018</a:t>
             </a:fld>
             <a:endParaRPr lang="da-DK"/>
           </a:p>
@@ -1645,7 +1647,7 @@
           <a:p>
             <a:fld id="{E15B7D8E-2A20-4C0E-991C-872DBB7459A8}" type="datetimeFigureOut">
               <a:rPr lang="da-DK" smtClean="0"/>
-              <a:t>14-02-2018</a:t>
+              <a:t>16-09-2018</a:t>
             </a:fld>
             <a:endParaRPr lang="da-DK"/>
           </a:p>
@@ -1763,7 +1765,7 @@
           <a:p>
             <a:fld id="{E15B7D8E-2A20-4C0E-991C-872DBB7459A8}" type="datetimeFigureOut">
               <a:rPr lang="da-DK" smtClean="0"/>
-              <a:t>14-02-2018</a:t>
+              <a:t>16-09-2018</a:t>
             </a:fld>
             <a:endParaRPr lang="da-DK"/>
           </a:p>
@@ -1858,7 +1860,7 @@
           <a:p>
             <a:fld id="{E15B7D8E-2A20-4C0E-991C-872DBB7459A8}" type="datetimeFigureOut">
               <a:rPr lang="da-DK" smtClean="0"/>
-              <a:t>14-02-2018</a:t>
+              <a:t>16-09-2018</a:t>
             </a:fld>
             <a:endParaRPr lang="da-DK"/>
           </a:p>
@@ -2135,7 +2137,7 @@
           <a:p>
             <a:fld id="{E15B7D8E-2A20-4C0E-991C-872DBB7459A8}" type="datetimeFigureOut">
               <a:rPr lang="da-DK" smtClean="0"/>
-              <a:t>14-02-2018</a:t>
+              <a:t>16-09-2018</a:t>
             </a:fld>
             <a:endParaRPr lang="da-DK"/>
           </a:p>
@@ -2388,7 +2390,7 @@
           <a:p>
             <a:fld id="{E15B7D8E-2A20-4C0E-991C-872DBB7459A8}" type="datetimeFigureOut">
               <a:rPr lang="da-DK" smtClean="0"/>
-              <a:t>14-02-2018</a:t>
+              <a:t>16-09-2018</a:t>
             </a:fld>
             <a:endParaRPr lang="da-DK"/>
           </a:p>
@@ -2601,7 +2603,7 @@
           <a:p>
             <a:fld id="{E15B7D8E-2A20-4C0E-991C-872DBB7459A8}" type="datetimeFigureOut">
               <a:rPr lang="da-DK" smtClean="0"/>
-              <a:t>14-02-2018</a:t>
+              <a:t>16-09-2018</a:t>
             </a:fld>
             <a:endParaRPr lang="da-DK"/>
           </a:p>
@@ -3924,9 +3926,12 @@
           <a:p>
             <a:r>
               <a:rPr lang="da-DK" smtClean="0"/>
-              <a:t>Type(s) of input parameter(s) + type of return value defines a function type</a:t>
-            </a:r>
-            <a:endParaRPr lang="da-DK" b="1" smtClean="0"/>
+              <a:t>Type(s) of input parameter(s) + type of return value defines a </a:t>
+            </a:r>
+            <a:r>
+              <a:rPr lang="da-DK" b="1" smtClean="0"/>
+              <a:t>function type</a:t>
+            </a:r>
           </a:p>
           <a:p>
             <a:r>
@@ -4679,13 +4684,86 @@
             <a:r>
               <a:rPr lang="da-DK" sz="1800" b="1" smtClean="0">
                 <a:solidFill>
+                  <a:srgbClr val="FF0000"/>
+                </a:solidFill>
+                <a:latin typeface="Consolas" panose="020B0609020204030204" pitchFamily="49" charset="0"/>
+              </a:rPr>
+              <a:t>Func&lt;int,</a:t>
+            </a:r>
+            <a:r>
+              <a:rPr lang="da-DK" sz="1800" b="1">
+                <a:solidFill>
+                  <a:srgbClr val="FF0000"/>
+                </a:solidFill>
+                <a:latin typeface="Consolas" panose="020B0609020204030204" pitchFamily="49" charset="0"/>
+              </a:rPr>
+              <a:t> </a:t>
+            </a:r>
+            <a:r>
+              <a:rPr lang="da-DK" sz="1800" b="1" smtClean="0">
+                <a:solidFill>
+                  <a:srgbClr val="FF0000"/>
+                </a:solidFill>
+                <a:latin typeface="Consolas" panose="020B0609020204030204" pitchFamily="49" charset="0"/>
+              </a:rPr>
+              <a:t>bool&gt; conditionFunc</a:t>
+            </a:r>
+            <a:r>
+              <a:rPr lang="da-DK" sz="1800" b="1" smtClean="0">
+                <a:latin typeface="Consolas" panose="020B0609020204030204" pitchFamily="49" charset="0"/>
+              </a:rPr>
+              <a:t>)</a:t>
+            </a:r>
+            <a:endParaRPr lang="da-DK" sz="1800" b="1">
+              <a:latin typeface="Consolas" panose="020B0609020204030204" pitchFamily="49" charset="0"/>
+            </a:endParaRPr>
+          </a:p>
+          <a:p>
+            <a:pPr marL="0" indent="0">
+              <a:spcBef>
+                <a:spcPts val="0"/>
+              </a:spcBef>
+              <a:buNone/>
+            </a:pPr>
+            <a:r>
+              <a:rPr lang="da-DK" sz="1800" b="1" smtClean="0">
+                <a:latin typeface="Consolas" panose="020B0609020204030204" pitchFamily="49" charset="0"/>
+              </a:rPr>
+              <a:t>{</a:t>
+            </a:r>
+            <a:endParaRPr lang="da-DK" sz="1800" b="1">
+              <a:latin typeface="Consolas" panose="020B0609020204030204" pitchFamily="49" charset="0"/>
+            </a:endParaRPr>
+          </a:p>
+          <a:p>
+            <a:pPr marL="0" indent="0">
+              <a:spcBef>
+                <a:spcPts val="0"/>
+              </a:spcBef>
+              <a:buNone/>
+            </a:pPr>
+            <a:r>
+              <a:rPr lang="da-DK" sz="1800" b="1">
+                <a:latin typeface="Consolas" panose="020B0609020204030204" pitchFamily="49" charset="0"/>
+              </a:rPr>
+              <a:t> </a:t>
+            </a:r>
+            <a:r>
+              <a:rPr lang="da-DK" sz="1800" b="1" smtClean="0">
+                <a:latin typeface="Consolas" panose="020B0609020204030204" pitchFamily="49" charset="0"/>
+              </a:rPr>
+              <a:t>   </a:t>
+            </a:r>
+            <a:r>
+              <a:rPr lang="da-DK" sz="1800" b="1">
+                <a:solidFill>
                   <a:schemeClr val="accent6">
                     <a:lumMod val="75000"/>
                   </a:schemeClr>
                 </a:solidFill>
                 <a:latin typeface="Consolas" panose="020B0609020204030204" pitchFamily="49" charset="0"/>
               </a:rPr>
-              <a:t>Func</a:t>
+              <a:t>List</a:t>
             </a:r>
             <a:r>
               <a:rPr lang="da-DK" sz="1800" b="1" smtClean="0">
@@ -4694,7 +4772,7 @@
               <a:t>&lt;</a:t>
             </a:r>
             <a:r>
-              <a:rPr lang="da-DK" sz="1800" b="1" smtClean="0">
+              <a:rPr lang="da-DK" sz="1800" b="1">
                 <a:solidFill>
                   <a:srgbClr val="0070C0"/>
                 </a:solidFill>
@@ -4703,80 +4781,25 @@
               <a:t>int</a:t>
             </a:r>
             <a:r>
-              <a:rPr lang="da-DK" sz="1800" b="1" smtClean="0">
-                <a:latin typeface="Consolas" panose="020B0609020204030204" pitchFamily="49" charset="0"/>
-              </a:rPr>
-              <a:t>,</a:t>
-            </a:r>
-            <a:r>
               <a:rPr lang="da-DK" sz="1800" b="1">
+                <a:latin typeface="Consolas" panose="020B0609020204030204" pitchFamily="49" charset="0"/>
+              </a:rPr>
+              <a:t>&gt; filteredValues = </a:t>
+            </a:r>
+            <a:r>
+              <a:rPr lang="da-DK" sz="1800" b="1">
                 <a:solidFill>
                   <a:srgbClr val="0070C0"/>
                 </a:solidFill>
                 <a:latin typeface="Consolas" panose="020B0609020204030204" pitchFamily="49" charset="0"/>
               </a:rPr>
+              <a:t>new</a:t>
+            </a:r>
+            <a:r>
+              <a:rPr lang="da-DK" sz="1800" b="1">
+                <a:latin typeface="Consolas" panose="020B0609020204030204" pitchFamily="49" charset="0"/>
+              </a:rPr>
               <a:t> </a:t>
-            </a:r>
-            <a:r>
-              <a:rPr lang="da-DK" sz="1800" b="1" smtClean="0">
-                <a:solidFill>
-                  <a:srgbClr val="0070C0"/>
-                </a:solidFill>
-                <a:latin typeface="Consolas" panose="020B0609020204030204" pitchFamily="49" charset="0"/>
-              </a:rPr>
-              <a:t>bool</a:t>
-            </a:r>
-            <a:r>
-              <a:rPr lang="da-DK" sz="1800" b="1" smtClean="0">
-                <a:latin typeface="Consolas" panose="020B0609020204030204" pitchFamily="49" charset="0"/>
-              </a:rPr>
-              <a:t>&gt; </a:t>
-            </a:r>
-            <a:r>
-              <a:rPr lang="da-DK" sz="1800" b="1" smtClean="0">
-                <a:latin typeface="Consolas" panose="020B0609020204030204" pitchFamily="49" charset="0"/>
-              </a:rPr>
-              <a:t>conditionFunc)</a:t>
-            </a:r>
-            <a:endParaRPr lang="da-DK" sz="1800" b="1">
-              <a:latin typeface="Consolas" panose="020B0609020204030204" pitchFamily="49" charset="0"/>
-            </a:endParaRPr>
-          </a:p>
-          <a:p>
-            <a:pPr marL="0" indent="0">
-              <a:spcBef>
-                <a:spcPts val="0"/>
-              </a:spcBef>
-              <a:buNone/>
-            </a:pPr>
-            <a:r>
-              <a:rPr lang="da-DK" sz="1800" b="1" smtClean="0">
-                <a:latin typeface="Consolas" panose="020B0609020204030204" pitchFamily="49" charset="0"/>
-              </a:rPr>
-              <a:t>{</a:t>
-            </a:r>
-            <a:endParaRPr lang="da-DK" sz="1800" b="1">
-              <a:latin typeface="Consolas" panose="020B0609020204030204" pitchFamily="49" charset="0"/>
-            </a:endParaRPr>
-          </a:p>
-          <a:p>
-            <a:pPr marL="0" indent="0">
-              <a:spcBef>
-                <a:spcPts val="0"/>
-              </a:spcBef>
-              <a:buNone/>
-            </a:pPr>
-            <a:r>
-              <a:rPr lang="da-DK" sz="1800" b="1">
-                <a:latin typeface="Consolas" panose="020B0609020204030204" pitchFamily="49" charset="0"/>
-              </a:rPr>
-              <a:t> </a:t>
-            </a:r>
-            <a:r>
-              <a:rPr lang="da-DK" sz="1800" b="1" smtClean="0">
-                <a:latin typeface="Consolas" panose="020B0609020204030204" pitchFamily="49" charset="0"/>
-              </a:rPr>
-              <a:t>   </a:t>
             </a:r>
             <a:r>
               <a:rPr lang="da-DK" sz="1800" b="1">
@@ -4790,53 +4813,6 @@
               <a:t>List</a:t>
             </a:r>
             <a:r>
-              <a:rPr lang="da-DK" sz="1800" b="1" smtClean="0">
-                <a:latin typeface="Consolas" panose="020B0609020204030204" pitchFamily="49" charset="0"/>
-              </a:rPr>
-              <a:t>&lt;</a:t>
-            </a:r>
-            <a:r>
-              <a:rPr lang="da-DK" sz="1800" b="1">
-                <a:solidFill>
-                  <a:srgbClr val="0070C0"/>
-                </a:solidFill>
-                <a:latin typeface="Consolas" panose="020B0609020204030204" pitchFamily="49" charset="0"/>
-              </a:rPr>
-              <a:t>int</a:t>
-            </a:r>
-            <a:r>
-              <a:rPr lang="da-DK" sz="1800" b="1">
-                <a:latin typeface="Consolas" panose="020B0609020204030204" pitchFamily="49" charset="0"/>
-              </a:rPr>
-              <a:t>&gt; filteredValues = </a:t>
-            </a:r>
-            <a:r>
-              <a:rPr lang="da-DK" sz="1800" b="1">
-                <a:solidFill>
-                  <a:srgbClr val="0070C0"/>
-                </a:solidFill>
-                <a:latin typeface="Consolas" panose="020B0609020204030204" pitchFamily="49" charset="0"/>
-              </a:rPr>
-              <a:t>new</a:t>
-            </a:r>
-            <a:r>
-              <a:rPr lang="da-DK" sz="1800" b="1">
-                <a:latin typeface="Consolas" panose="020B0609020204030204" pitchFamily="49" charset="0"/>
-              </a:rPr>
-              <a:t> </a:t>
-            </a:r>
-            <a:r>
-              <a:rPr lang="da-DK" sz="1800" b="1">
-                <a:solidFill>
-                  <a:schemeClr val="accent6">
-                    <a:lumMod val="75000"/>
-                  </a:schemeClr>
-                </a:solidFill>
-                <a:latin typeface="Consolas" panose="020B0609020204030204" pitchFamily="49" charset="0"/>
-              </a:rPr>
-              <a:t>List</a:t>
-            </a:r>
-            <a:r>
               <a:rPr lang="da-DK" sz="1800" b="1">
                 <a:latin typeface="Consolas" panose="020B0609020204030204" pitchFamily="49" charset="0"/>
               </a:rPr>
@@ -4895,34 +4871,22 @@
               <a:rPr lang="en-US" sz="1800" b="1" smtClean="0">
                 <a:latin typeface="Consolas" panose="020B0609020204030204" pitchFamily="49" charset="0"/>
               </a:rPr>
-              <a:t> </a:t>
+              <a:t> (</a:t>
             </a:r>
             <a:r>
               <a:rPr lang="en-US" sz="1800" b="1" smtClean="0">
-                <a:latin typeface="Consolas" panose="020B0609020204030204" pitchFamily="49" charset="0"/>
-              </a:rPr>
-              <a:t>(</a:t>
+                <a:solidFill>
+                  <a:srgbClr val="0070C0"/>
+                </a:solidFill>
+                <a:latin typeface="Consolas" panose="020B0609020204030204" pitchFamily="49" charset="0"/>
+              </a:rPr>
+              <a:t>int</a:t>
             </a:r>
             <a:r>
               <a:rPr lang="en-US" sz="1800" b="1" smtClean="0">
-                <a:solidFill>
-                  <a:srgbClr val="0070C0"/>
-                </a:solidFill>
-                <a:latin typeface="Consolas" panose="020B0609020204030204" pitchFamily="49" charset="0"/>
-              </a:rPr>
-              <a:t>int</a:t>
-            </a:r>
-            <a:r>
-              <a:rPr lang="en-US" sz="1800" b="1" smtClean="0">
-                <a:latin typeface="Consolas" panose="020B0609020204030204" pitchFamily="49" charset="0"/>
-              </a:rPr>
-              <a:t> </a:t>
-            </a:r>
-            <a:r>
-              <a:rPr lang="en-US" sz="1800" b="1" smtClean="0">
-                <a:latin typeface="Consolas" panose="020B0609020204030204" pitchFamily="49" charset="0"/>
-              </a:rPr>
-              <a:t>v </a:t>
+                <a:latin typeface="Consolas" panose="020B0609020204030204" pitchFamily="49" charset="0"/>
+              </a:rPr>
+              <a:t> v </a:t>
             </a:r>
             <a:r>
               <a:rPr lang="en-US" sz="1800" b="1">
@@ -5007,16 +4971,7 @@
                 </a:solidFill>
                 <a:latin typeface="Consolas" panose="020B0609020204030204" pitchFamily="49" charset="0"/>
               </a:rPr>
-              <a:t>(v</a:t>
-            </a:r>
-            <a:r>
-              <a:rPr lang="da-DK" sz="1800" b="1" smtClean="0">
-                <a:solidFill>
-                  <a:srgbClr val="FF0000"/>
-                </a:solidFill>
-                <a:latin typeface="Consolas" panose="020B0609020204030204" pitchFamily="49" charset="0"/>
-              </a:rPr>
-              <a:t>)</a:t>
+              <a:t>(v)</a:t>
             </a:r>
             <a:r>
               <a:rPr lang="da-DK" sz="1800" b="1" smtClean="0">
@@ -5170,12 +5125,12 @@
         <p:spPr>
           <a:xfrm>
             <a:off x="7140744" y="2004632"/>
-            <a:ext cx="2454508" cy="864101"/>
+            <a:ext cx="2590652" cy="864101"/>
           </a:xfrm>
           <a:prstGeom prst="wedgeRectCallout">
             <a:avLst>
-              <a:gd name="adj1" fmla="val 33492"/>
-              <a:gd name="adj2" fmla="val -113139"/>
+              <a:gd name="adj1" fmla="val 43309"/>
+              <a:gd name="adj2" fmla="val -121549"/>
             </a:avLst>
           </a:prstGeom>
           <a:solidFill>
@@ -5210,7 +5165,7 @@
                   <a:schemeClr val="tx1"/>
                 </a:solidFill>
               </a:rPr>
-              <a:t>Criterion supplied by </a:t>
+              <a:t>Condition supplied by </a:t>
             </a:r>
             <a:r>
               <a:rPr lang="da-DK" sz="2400" u="sng" smtClean="0">
@@ -5510,7 +5465,22 @@
               <a:rPr lang="da-DK" b="1" smtClean="0">
                 <a:latin typeface="Consolas" panose="020B0609020204030204" pitchFamily="49" charset="0"/>
               </a:rPr>
-              <a:t>filter.FilterValues(values, ???);</a:t>
+              <a:t>filter.FilterValues(values, </a:t>
+            </a:r>
+            <a:r>
+              <a:rPr lang="da-DK" b="1" smtClean="0">
+                <a:solidFill>
+                  <a:srgbClr val="FF0000"/>
+                </a:solidFill>
+                <a:latin typeface="Consolas" panose="020B0609020204030204" pitchFamily="49" charset="0"/>
+              </a:rPr>
+              <a:t>???</a:t>
+            </a:r>
+            <a:r>
+              <a:rPr lang="da-DK" b="1" smtClean="0">
+                <a:latin typeface="Consolas" panose="020B0609020204030204" pitchFamily="49" charset="0"/>
+              </a:rPr>
+              <a:t>);</a:t>
             </a:r>
             <a:endParaRPr lang="da-DK" b="1">
               <a:latin typeface="Consolas" panose="020B0609020204030204" pitchFamily="49" charset="0"/>
@@ -5730,34 +5700,22 @@
               <a:rPr lang="da-DK" b="1" smtClean="0">
                 <a:latin typeface="Consolas" panose="020B0609020204030204" pitchFamily="49" charset="0"/>
               </a:rPr>
-              <a:t> </a:t>
+              <a:t> MyCondFunc(</a:t>
             </a:r>
             <a:r>
               <a:rPr lang="da-DK" b="1" smtClean="0">
-                <a:latin typeface="Consolas" panose="020B0609020204030204" pitchFamily="49" charset="0"/>
-              </a:rPr>
-              <a:t>MyCondFunc(</a:t>
+                <a:solidFill>
+                  <a:srgbClr val="0070C0"/>
+                </a:solidFill>
+                <a:latin typeface="Consolas" panose="020B0609020204030204" pitchFamily="49" charset="0"/>
+              </a:rPr>
+              <a:t>int</a:t>
             </a:r>
             <a:r>
               <a:rPr lang="da-DK" b="1" smtClean="0">
-                <a:solidFill>
-                  <a:srgbClr val="0070C0"/>
-                </a:solidFill>
-                <a:latin typeface="Consolas" panose="020B0609020204030204" pitchFamily="49" charset="0"/>
-              </a:rPr>
-              <a:t>int</a:t>
-            </a:r>
-            <a:r>
-              <a:rPr lang="da-DK" b="1" smtClean="0">
-                <a:latin typeface="Consolas" panose="020B0609020204030204" pitchFamily="49" charset="0"/>
-              </a:rPr>
-              <a:t> </a:t>
-            </a:r>
-            <a:r>
-              <a:rPr lang="da-DK" b="1" smtClean="0">
-                <a:latin typeface="Consolas" panose="020B0609020204030204" pitchFamily="49" charset="0"/>
-              </a:rPr>
-              <a:t>v) </a:t>
+                <a:latin typeface="Consolas" panose="020B0609020204030204" pitchFamily="49" charset="0"/>
+              </a:rPr>
+              <a:t> v) </a:t>
             </a:r>
             <a:r>
               <a:rPr lang="da-DK" b="1">
@@ -7225,34 +7183,22 @@
               <a:rPr lang="en-US" sz="2400" b="1" smtClean="0">
                 <a:latin typeface="Consolas" panose="020B0609020204030204" pitchFamily="49" charset="0"/>
               </a:rPr>
-              <a:t> </a:t>
+              <a:t> (</a:t>
             </a:r>
             <a:r>
               <a:rPr lang="en-US" sz="2400" b="1" smtClean="0">
-                <a:latin typeface="Consolas" panose="020B0609020204030204" pitchFamily="49" charset="0"/>
-              </a:rPr>
-              <a:t>(</a:t>
+                <a:solidFill>
+                  <a:srgbClr val="0070C0"/>
+                </a:solidFill>
+                <a:latin typeface="Consolas" panose="020B0609020204030204" pitchFamily="49" charset="0"/>
+              </a:rPr>
+              <a:t>int</a:t>
             </a:r>
             <a:r>
               <a:rPr lang="en-US" sz="2400" b="1" smtClean="0">
-                <a:solidFill>
-                  <a:srgbClr val="0070C0"/>
-                </a:solidFill>
-                <a:latin typeface="Consolas" panose="020B0609020204030204" pitchFamily="49" charset="0"/>
-              </a:rPr>
-              <a:t>int</a:t>
-            </a:r>
-            <a:r>
-              <a:rPr lang="en-US" sz="2400" b="1" smtClean="0">
-                <a:latin typeface="Consolas" panose="020B0609020204030204" pitchFamily="49" charset="0"/>
-              </a:rPr>
-              <a:t> </a:t>
-            </a:r>
-            <a:r>
-              <a:rPr lang="en-US" sz="2400" b="1" smtClean="0">
-                <a:latin typeface="Consolas" panose="020B0609020204030204" pitchFamily="49" charset="0"/>
-              </a:rPr>
-              <a:t>v </a:t>
+                <a:latin typeface="Consolas" panose="020B0609020204030204" pitchFamily="49" charset="0"/>
+              </a:rPr>
+              <a:t> v </a:t>
             </a:r>
             <a:r>
               <a:rPr lang="en-US" sz="2400" b="1">
@@ -10108,174 +10054,45 @@
       </p:grpSpPr>
       <p:sp>
         <p:nvSpPr>
-          <p:cNvPr id="3" name="Pladsholder til indhold 2"/>
+          <p:cNvPr id="2" name="Titel 1"/>
           <p:cNvSpPr>
             <a:spLocks noGrp="1"/>
           </p:cNvSpPr>
           <p:nvPr>
-            <p:ph idx="1"/>
+            <p:ph type="ctrTitle"/>
           </p:nvPr>
         </p:nvSpPr>
         <p:spPr>
           <a:xfrm>
-            <a:off x="919479" y="1067011"/>
-            <a:ext cx="11021907" cy="5123815"/>
+            <a:off x="1524000" y="1122362"/>
+            <a:ext cx="9144000" cy="3594017"/>
           </a:xfrm>
         </p:spPr>
         <p:txBody>
-          <a:bodyPr>
-            <a:noAutofit/>
-          </a:bodyPr>
+          <a:bodyPr/>
           <a:lstStyle/>
           <a:p>
-            <a:pPr marL="0" indent="0">
-              <a:spcBef>
-                <a:spcPts val="0"/>
-              </a:spcBef>
-              <a:buNone/>
-            </a:pPr>
-            <a:endParaRPr lang="da-DK" sz="2400" b="1">
-              <a:latin typeface="Consolas" panose="020B0609020204030204" pitchFamily="49" charset="0"/>
-            </a:endParaRPr>
-          </a:p>
-          <a:p>
-            <a:pPr marL="0" indent="0">
-              <a:spcBef>
-                <a:spcPts val="0"/>
-              </a:spcBef>
-              <a:buNone/>
-            </a:pPr>
-            <a:r>
-              <a:rPr lang="da-DK" sz="4800" b="1" smtClean="0">
-                <a:solidFill>
-                  <a:schemeClr val="accent6">
-                    <a:lumMod val="75000"/>
-                  </a:schemeClr>
-                </a:solidFill>
-                <a:latin typeface="Consolas" panose="020B0609020204030204" pitchFamily="49" charset="0"/>
-              </a:rPr>
-              <a:t>// condFunc is a ”delegate”</a:t>
-            </a:r>
-          </a:p>
-          <a:p>
-            <a:pPr marL="0" indent="0">
-              <a:spcBef>
-                <a:spcPts val="0"/>
-              </a:spcBef>
-              <a:buNone/>
-            </a:pPr>
-            <a:endParaRPr lang="da-DK" sz="4800" b="1" smtClean="0">
-              <a:solidFill>
-                <a:schemeClr val="accent6">
-                  <a:lumMod val="75000"/>
-                </a:schemeClr>
-              </a:solidFill>
-              <a:latin typeface="Consolas" panose="020B0609020204030204" pitchFamily="49" charset="0"/>
-            </a:endParaRPr>
-          </a:p>
-          <a:p>
-            <a:pPr marL="0" indent="0">
-              <a:spcBef>
-                <a:spcPts val="0"/>
-              </a:spcBef>
-              <a:buNone/>
-            </a:pPr>
-            <a:r>
-              <a:rPr lang="da-DK" sz="4800" b="1" smtClean="0">
-                <a:solidFill>
-                  <a:schemeClr val="accent6">
-                    <a:lumMod val="75000"/>
-                  </a:schemeClr>
-                </a:solidFill>
-                <a:latin typeface="Consolas" panose="020B0609020204030204" pitchFamily="49" charset="0"/>
-              </a:rPr>
-              <a:t>Func</a:t>
-            </a:r>
-            <a:r>
-              <a:rPr lang="da-DK" sz="4800" b="1" smtClean="0">
-                <a:latin typeface="Consolas" panose="020B0609020204030204" pitchFamily="49" charset="0"/>
-              </a:rPr>
-              <a:t>&lt;</a:t>
-            </a:r>
-            <a:r>
-              <a:rPr lang="da-DK" sz="4800" b="1" smtClean="0">
-                <a:solidFill>
-                  <a:srgbClr val="0070C0"/>
-                </a:solidFill>
-                <a:latin typeface="Consolas" panose="020B0609020204030204" pitchFamily="49" charset="0"/>
-              </a:rPr>
-              <a:t>int</a:t>
-            </a:r>
-            <a:r>
-              <a:rPr lang="da-DK" sz="4800" b="1">
-                <a:latin typeface="Consolas" panose="020B0609020204030204" pitchFamily="49" charset="0"/>
-              </a:rPr>
-              <a:t>,</a:t>
-            </a:r>
-            <a:r>
-              <a:rPr lang="da-DK" sz="4800" b="1">
-                <a:solidFill>
-                  <a:srgbClr val="0070C0"/>
-                </a:solidFill>
-                <a:latin typeface="Consolas" panose="020B0609020204030204" pitchFamily="49" charset="0"/>
-              </a:rPr>
-              <a:t> bool</a:t>
-            </a:r>
-            <a:r>
-              <a:rPr lang="da-DK" sz="4800" b="1">
-                <a:latin typeface="Consolas" panose="020B0609020204030204" pitchFamily="49" charset="0"/>
-              </a:rPr>
-              <a:t>&gt; </a:t>
-            </a:r>
-            <a:r>
-              <a:rPr lang="da-DK" sz="4800" b="1" smtClean="0">
-                <a:latin typeface="Consolas" panose="020B0609020204030204" pitchFamily="49" charset="0"/>
-              </a:rPr>
-              <a:t>condFunc;</a:t>
-            </a:r>
-          </a:p>
-          <a:p>
-            <a:pPr marL="0" indent="0">
-              <a:spcBef>
-                <a:spcPts val="0"/>
-              </a:spcBef>
-              <a:buNone/>
-            </a:pPr>
-            <a:endParaRPr lang="da-DK" sz="2400" b="1">
-              <a:latin typeface="Consolas" panose="020B0609020204030204" pitchFamily="49" charset="0"/>
-            </a:endParaRPr>
-          </a:p>
-          <a:p>
-            <a:pPr marL="0" indent="0">
-              <a:spcBef>
-                <a:spcPts val="0"/>
-              </a:spcBef>
-              <a:buNone/>
-            </a:pPr>
-            <a:endParaRPr lang="da-DK" sz="2400" b="1">
-              <a:latin typeface="Consolas" panose="020B0609020204030204" pitchFamily="49" charset="0"/>
-            </a:endParaRPr>
+            <a:r>
+              <a:rPr lang="da-DK" sz="19200" b="1" smtClean="0"/>
+              <a:t>Code</a:t>
+            </a:r>
+            <a:r>
+              <a:rPr lang="da-DK" sz="19200" b="1"/>
+              <a:t>!</a:t>
+            </a:r>
           </a:p>
         </p:txBody>
       </p:sp>
     </p:spTree>
     <p:extLst>
       <p:ext uri="{BB962C8B-B14F-4D97-AF65-F5344CB8AC3E}">
-        <p14:creationId xmlns:p14="http://schemas.microsoft.com/office/powerpoint/2010/main" val="3797188442"/>
+        <p14:creationId xmlns:p14="http://schemas.microsoft.com/office/powerpoint/2010/main" val="3435866321"/>
       </p:ext>
     </p:extLst>
   </p:cSld>
   <p:clrMapOvr>
     <a:masterClrMapping/>
   </p:clrMapOvr>
-  <mc:AlternateContent xmlns:mc="http://schemas.openxmlformats.org/markup-compatibility/2006" xmlns:p14="http://schemas.microsoft.com/office/powerpoint/2010/main">
-    <mc:Choice Requires="p14">
-      <p:transition p14:dur="0"/>
-    </mc:Choice>
-    <mc:Fallback xmlns="">
-      <p:transition/>
-    </mc:Fallback>
-  </mc:AlternateContent>
   <p:timing>
     <p:tnLst>
       <p:par>
@@ -10343,7 +10160,7 @@
               <a:buNone/>
             </a:pPr>
             <a:r>
-              <a:rPr lang="da-DK" sz="3200" b="1" smtClean="0">
+              <a:rPr lang="da-DK" sz="4800" b="1" smtClean="0">
                 <a:solidFill>
                   <a:schemeClr val="accent6">
                     <a:lumMod val="75000"/>
@@ -10361,7 +10178,7 @@
               </a:spcBef>
               <a:buNone/>
             </a:pPr>
-            <a:endParaRPr lang="da-DK" sz="3200" b="1" smtClean="0">
+            <a:endParaRPr lang="da-DK" sz="4800" b="1" smtClean="0">
               <a:solidFill>
                 <a:schemeClr val="accent6">
                   <a:lumMod val="75000"/>
@@ -10378,7 +10195,7 @@
               <a:buNone/>
             </a:pPr>
             <a:r>
-              <a:rPr lang="da-DK" sz="3200" b="1" smtClean="0">
+              <a:rPr lang="da-DK" sz="4800" b="1" smtClean="0">
                 <a:solidFill>
                   <a:schemeClr val="accent6">
                     <a:lumMod val="75000"/>
@@ -10389,13 +10206,13 @@
               <a:t>Func</a:t>
             </a:r>
             <a:r>
-              <a:rPr lang="da-DK" sz="3200" b="1" smtClean="0">
+              <a:rPr lang="da-DK" sz="4800" b="1" smtClean="0">
                 <a:latin typeface="Consolas" panose="020B0609020204030204" pitchFamily="49" charset="0"/>
               </a:rPr>
               <a:t>&lt;</a:t>
             </a:r>
             <a:r>
-              <a:rPr lang="da-DK" sz="3200" b="1" smtClean="0">
+              <a:rPr lang="da-DK" sz="4800" b="1" smtClean="0">
                 <a:solidFill>
                   <a:srgbClr val="0070C0"/>
                 </a:solidFill>
@@ -10404,13 +10221,13 @@
               <a:t>int</a:t>
             </a:r>
             <a:r>
-              <a:rPr lang="da-DK" sz="3200" b="1">
+              <a:rPr lang="da-DK" sz="4800" b="1">
                 <a:latin typeface="Consolas" panose="020B0609020204030204" pitchFamily="49" charset="0"/>
               </a:rPr>
               <a:t>,</a:t>
             </a:r>
             <a:r>
-              <a:rPr lang="da-DK" sz="3200" b="1">
+              <a:rPr lang="da-DK" sz="4800" b="1">
                 <a:solidFill>
                   <a:srgbClr val="0070C0"/>
                 </a:solidFill>
@@ -10419,123 +10236,17 @@
               <a:t> bool</a:t>
             </a:r>
             <a:r>
-              <a:rPr lang="da-DK" sz="3200" b="1">
+              <a:rPr lang="da-DK" sz="4800" b="1">
                 <a:latin typeface="Consolas" panose="020B0609020204030204" pitchFamily="49" charset="0"/>
               </a:rPr>
               <a:t>&gt; </a:t>
             </a:r>
             <a:r>
-              <a:rPr lang="da-DK" sz="3200" b="1" smtClean="0">
+              <a:rPr lang="da-DK" sz="4800" b="1" smtClean="0">
                 <a:latin typeface="Consolas" panose="020B0609020204030204" pitchFamily="49" charset="0"/>
               </a:rPr>
               <a:t>condFunc;</a:t>
             </a:r>
-          </a:p>
-          <a:p>
-            <a:pPr marL="0" indent="0">
-              <a:spcBef>
-                <a:spcPts val="0"/>
-              </a:spcBef>
-              <a:buNone/>
-            </a:pPr>
-            <a:r>
-              <a:rPr lang="da-DK" sz="3200" b="1" smtClean="0">
-                <a:latin typeface="Consolas" panose="020B0609020204030204" pitchFamily="49" charset="0"/>
-              </a:rPr>
-              <a:t>…</a:t>
-            </a:r>
-          </a:p>
-          <a:p>
-            <a:pPr marL="0" indent="0">
-              <a:spcBef>
-                <a:spcPts val="0"/>
-              </a:spcBef>
-              <a:buNone/>
-            </a:pPr>
-            <a:endParaRPr lang="da-DK" sz="3200" b="1">
-              <a:latin typeface="Consolas" panose="020B0609020204030204" pitchFamily="49" charset="0"/>
-            </a:endParaRPr>
-          </a:p>
-          <a:p>
-            <a:pPr marL="0" indent="0">
-              <a:spcBef>
-                <a:spcPts val="0"/>
-              </a:spcBef>
-              <a:buNone/>
-            </a:pPr>
-            <a:r>
-              <a:rPr lang="da-DK" sz="3200" b="1">
-                <a:solidFill>
-                  <a:srgbClr val="0070C0"/>
-                </a:solidFill>
-                <a:latin typeface="Consolas" panose="020B0609020204030204" pitchFamily="49" charset="0"/>
-              </a:rPr>
-              <a:t>bool</a:t>
-            </a:r>
-            <a:r>
-              <a:rPr lang="da-DK" sz="3200" b="1" smtClean="0">
-                <a:latin typeface="Consolas" panose="020B0609020204030204" pitchFamily="49" charset="0"/>
-              </a:rPr>
-              <a:t> res1 = condFunc.Invoke(23);</a:t>
-            </a:r>
-          </a:p>
-          <a:p>
-            <a:pPr marL="0" indent="0">
-              <a:spcBef>
-                <a:spcPts val="0"/>
-              </a:spcBef>
-              <a:buNone/>
-            </a:pPr>
-            <a:r>
-              <a:rPr lang="da-DK" sz="3200" b="1">
-                <a:solidFill>
-                  <a:srgbClr val="0070C0"/>
-                </a:solidFill>
-                <a:latin typeface="Consolas" panose="020B0609020204030204" pitchFamily="49" charset="0"/>
-              </a:rPr>
-              <a:t>bool</a:t>
-            </a:r>
-            <a:r>
-              <a:rPr lang="da-DK" sz="3200" b="1">
-                <a:latin typeface="Consolas" panose="020B0609020204030204" pitchFamily="49" charset="0"/>
-              </a:rPr>
-              <a:t> </a:t>
-            </a:r>
-            <a:r>
-              <a:rPr lang="da-DK" sz="3200" b="1" smtClean="0">
-                <a:latin typeface="Consolas" panose="020B0609020204030204" pitchFamily="49" charset="0"/>
-              </a:rPr>
-              <a:t>res2 </a:t>
-            </a:r>
-            <a:r>
-              <a:rPr lang="da-DK" sz="3200" b="1">
-                <a:latin typeface="Consolas" panose="020B0609020204030204" pitchFamily="49" charset="0"/>
-              </a:rPr>
-              <a:t>= </a:t>
-            </a:r>
-            <a:r>
-              <a:rPr lang="da-DK" sz="3200" b="1" smtClean="0">
-                <a:latin typeface="Consolas" panose="020B0609020204030204" pitchFamily="49" charset="0"/>
-              </a:rPr>
-              <a:t>condFunc(23</a:t>
-            </a:r>
-            <a:r>
-              <a:rPr lang="da-DK" sz="3200" b="1">
-                <a:latin typeface="Consolas" panose="020B0609020204030204" pitchFamily="49" charset="0"/>
-              </a:rPr>
-              <a:t>);</a:t>
-            </a:r>
-          </a:p>
-          <a:p>
-            <a:pPr marL="0" indent="0">
-              <a:spcBef>
-                <a:spcPts val="0"/>
-              </a:spcBef>
-              <a:buNone/>
-            </a:pPr>
-            <a:endParaRPr lang="da-DK" sz="3200" b="1" smtClean="0">
-              <a:latin typeface="Consolas" panose="020B0609020204030204" pitchFamily="49" charset="0"/>
-            </a:endParaRPr>
           </a:p>
           <a:p>
             <a:pPr marL="0" indent="0">
@@ -10564,7 +10275,7 @@
     </p:spTree>
     <p:extLst>
       <p:ext uri="{BB962C8B-B14F-4D97-AF65-F5344CB8AC3E}">
-        <p14:creationId xmlns:p14="http://schemas.microsoft.com/office/powerpoint/2010/main" val="1093594453"/>
+        <p14:creationId xmlns:p14="http://schemas.microsoft.com/office/powerpoint/2010/main" val="3797188442"/>
       </p:ext>
     </p:extLst>
   </p:cSld>
@@ -10645,6 +10356,25 @@
               </a:spcBef>
               <a:buNone/>
             </a:pPr>
+            <a:r>
+              <a:rPr lang="da-DK" sz="3200" b="1" smtClean="0">
+                <a:solidFill>
+                  <a:schemeClr val="accent6">
+                    <a:lumMod val="75000"/>
+                  </a:schemeClr>
+                </a:solidFill>
+                <a:latin typeface="Consolas" panose="020B0609020204030204" pitchFamily="49" charset="0"/>
+              </a:rPr>
+              <a:t>// condFunc is a ”delegate”</a:t>
+            </a:r>
+          </a:p>
+          <a:p>
+            <a:pPr marL="0" indent="0">
+              <a:spcBef>
+                <a:spcPts val="0"/>
+              </a:spcBef>
+              <a:buNone/>
+            </a:pPr>
             <a:endParaRPr lang="da-DK" sz="3200" b="1" smtClean="0">
               <a:solidFill>
                 <a:schemeClr val="accent6">
@@ -10662,7 +10392,7 @@
               <a:buNone/>
             </a:pPr>
             <a:r>
-              <a:rPr lang="da-DK" b="1" smtClean="0">
+              <a:rPr lang="da-DK" sz="3200" b="1" smtClean="0">
                 <a:solidFill>
                   <a:schemeClr val="accent6">
                     <a:lumMod val="75000"/>
@@ -10670,39 +10400,60 @@
                 </a:solidFill>
                 <a:latin typeface="Consolas" panose="020B0609020204030204" pitchFamily="49" charset="0"/>
               </a:rPr>
-              <a:t>Action</a:t>
-            </a:r>
-            <a:r>
-              <a:rPr lang="da-DK" b="1" smtClean="0">
+              <a:t>Func</a:t>
+            </a:r>
+            <a:r>
+              <a:rPr lang="da-DK" sz="3200" b="1" smtClean="0">
                 <a:latin typeface="Consolas" panose="020B0609020204030204" pitchFamily="49" charset="0"/>
               </a:rPr>
               <a:t>&lt;</a:t>
             </a:r>
             <a:r>
-              <a:rPr lang="da-DK" b="1" smtClean="0">
+              <a:rPr lang="da-DK" sz="3200" b="1" smtClean="0">
                 <a:solidFill>
                   <a:srgbClr val="0070C0"/>
                 </a:solidFill>
                 <a:latin typeface="Consolas" panose="020B0609020204030204" pitchFamily="49" charset="0"/>
               </a:rPr>
-              <a:t>double</a:t>
-            </a:r>
-            <a:r>
-              <a:rPr lang="da-DK" b="1" smtClean="0">
-                <a:latin typeface="Consolas" panose="020B0609020204030204" pitchFamily="49" charset="0"/>
-              </a:rPr>
-              <a:t>&gt; tempChanged;</a:t>
-            </a:r>
-          </a:p>
-          <a:p>
-            <a:pPr marL="0" indent="0">
-              <a:spcBef>
-                <a:spcPts val="0"/>
-              </a:spcBef>
-              <a:buNone/>
-            </a:pPr>
-            <a:r>
-              <a:rPr lang="da-DK" b="1" smtClean="0">
+              <a:t>int</a:t>
+            </a:r>
+            <a:r>
+              <a:rPr lang="da-DK" sz="3200" b="1">
+                <a:latin typeface="Consolas" panose="020B0609020204030204" pitchFamily="49" charset="0"/>
+              </a:rPr>
+              <a:t>,</a:t>
+            </a:r>
+            <a:r>
+              <a:rPr lang="da-DK" sz="3200" b="1">
+                <a:solidFill>
+                  <a:srgbClr val="0070C0"/>
+                </a:solidFill>
+                <a:latin typeface="Consolas" panose="020B0609020204030204" pitchFamily="49" charset="0"/>
+              </a:rPr>
+              <a:t> bool</a:t>
+            </a:r>
+            <a:r>
+              <a:rPr lang="da-DK" sz="3200" b="1">
+                <a:latin typeface="Consolas" panose="020B0609020204030204" pitchFamily="49" charset="0"/>
+              </a:rPr>
+              <a:t>&gt; </a:t>
+            </a:r>
+            <a:r>
+              <a:rPr lang="da-DK" sz="3200" b="1" smtClean="0">
+                <a:latin typeface="Consolas" panose="020B0609020204030204" pitchFamily="49" charset="0"/>
+              </a:rPr>
+              <a:t>condFunc;</a:t>
+            </a:r>
+          </a:p>
+          <a:p>
+            <a:pPr marL="0" indent="0">
+              <a:spcBef>
+                <a:spcPts val="0"/>
+              </a:spcBef>
+              <a:buNone/>
+            </a:pPr>
+            <a:r>
+              <a:rPr lang="da-DK" sz="3200" b="1" smtClean="0">
                 <a:latin typeface="Consolas" panose="020B0609020204030204" pitchFamily="49" charset="0"/>
               </a:rPr>
               <a:t>…</a:t>
@@ -10715,7 +10466,7 @@
               </a:spcBef>
               <a:buNone/>
             </a:pPr>
-            <a:endParaRPr lang="da-DK" b="1">
+            <a:endParaRPr lang="da-DK" sz="3200" b="1">
               <a:latin typeface="Consolas" panose="020B0609020204030204" pitchFamily="49" charset="0"/>
             </a:endParaRPr>
           </a:p>
@@ -10727,28 +10478,78 @@
               <a:buNone/>
             </a:pPr>
             <a:r>
-              <a:rPr lang="da-DK" b="1" smtClean="0">
-                <a:latin typeface="Consolas" panose="020B0609020204030204" pitchFamily="49" charset="0"/>
-              </a:rPr>
-              <a:t>tempChanged = t =&gt; { </a:t>
-            </a:r>
-            <a:r>
-              <a:rPr lang="da-DK" b="1">
-                <a:solidFill>
-                  <a:schemeClr val="accent6">
-                    <a:lumMod val="75000"/>
-                  </a:schemeClr>
-                </a:solidFill>
-                <a:latin typeface="Consolas" panose="020B0609020204030204" pitchFamily="49" charset="0"/>
-              </a:rPr>
-              <a:t>Console</a:t>
-            </a:r>
-            <a:r>
-              <a:rPr lang="da-DK" b="1" smtClean="0">
-                <a:latin typeface="Consolas" panose="020B0609020204030204" pitchFamily="49" charset="0"/>
-              </a:rPr>
-              <a:t>.WriteLine(t); };</a:t>
-            </a:r>
+              <a:rPr lang="da-DK" sz="3200" b="1">
+                <a:solidFill>
+                  <a:srgbClr val="0070C0"/>
+                </a:solidFill>
+                <a:latin typeface="Consolas" panose="020B0609020204030204" pitchFamily="49" charset="0"/>
+              </a:rPr>
+              <a:t>bool</a:t>
+            </a:r>
+            <a:r>
+              <a:rPr lang="da-DK" sz="3200" b="1" smtClean="0">
+                <a:latin typeface="Consolas" panose="020B0609020204030204" pitchFamily="49" charset="0"/>
+              </a:rPr>
+              <a:t> res1 = condFunc.Invoke(23);</a:t>
+            </a:r>
+          </a:p>
+          <a:p>
+            <a:pPr marL="0" indent="0">
+              <a:spcBef>
+                <a:spcPts val="0"/>
+              </a:spcBef>
+              <a:buNone/>
+            </a:pPr>
+            <a:r>
+              <a:rPr lang="da-DK" sz="3200" b="1">
+                <a:solidFill>
+                  <a:srgbClr val="0070C0"/>
+                </a:solidFill>
+                <a:latin typeface="Consolas" panose="020B0609020204030204" pitchFamily="49" charset="0"/>
+              </a:rPr>
+              <a:t>bool</a:t>
+            </a:r>
+            <a:r>
+              <a:rPr lang="da-DK" sz="3200" b="1">
+                <a:latin typeface="Consolas" panose="020B0609020204030204" pitchFamily="49" charset="0"/>
+              </a:rPr>
+              <a:t> </a:t>
+            </a:r>
+            <a:r>
+              <a:rPr lang="da-DK" sz="3200" b="1" smtClean="0">
+                <a:latin typeface="Consolas" panose="020B0609020204030204" pitchFamily="49" charset="0"/>
+              </a:rPr>
+              <a:t>res2 </a:t>
+            </a:r>
+            <a:r>
+              <a:rPr lang="da-DK" sz="3200" b="1">
+                <a:latin typeface="Consolas" panose="020B0609020204030204" pitchFamily="49" charset="0"/>
+              </a:rPr>
+              <a:t>= </a:t>
+            </a:r>
+            <a:r>
+              <a:rPr lang="da-DK" sz="3200" b="1" smtClean="0">
+                <a:latin typeface="Consolas" panose="020B0609020204030204" pitchFamily="49" charset="0"/>
+              </a:rPr>
+              <a:t>condFunc(23</a:t>
+            </a:r>
+            <a:r>
+              <a:rPr lang="da-DK" sz="3200" b="1">
+                <a:latin typeface="Consolas" panose="020B0609020204030204" pitchFamily="49" charset="0"/>
+              </a:rPr>
+              <a:t>);</a:t>
+            </a:r>
+          </a:p>
+          <a:p>
+            <a:pPr marL="0" indent="0">
+              <a:spcBef>
+                <a:spcPts val="0"/>
+              </a:spcBef>
+              <a:buNone/>
+            </a:pPr>
+            <a:endParaRPr lang="da-DK" sz="3200" b="1" smtClean="0">
+              <a:latin typeface="Consolas" panose="020B0609020204030204" pitchFamily="49" charset="0"/>
+            </a:endParaRPr>
           </a:p>
           <a:p>
             <a:pPr marL="0" indent="0">
@@ -10777,7 +10578,7 @@
     </p:spTree>
     <p:extLst>
       <p:ext uri="{BB962C8B-B14F-4D97-AF65-F5344CB8AC3E}">
-        <p14:creationId xmlns:p14="http://schemas.microsoft.com/office/powerpoint/2010/main" val="1975553237"/>
+        <p14:creationId xmlns:p14="http://schemas.microsoft.com/office/powerpoint/2010/main" val="1093594453"/>
       </p:ext>
     </p:extLst>
   </p:cSld>
@@ -10875,7 +10676,7 @@
               <a:buNone/>
             </a:pPr>
             <a:r>
-              <a:rPr lang="da-DK" sz="2400" b="1" smtClean="0">
+              <a:rPr lang="da-DK" b="1" smtClean="0">
                 <a:solidFill>
                   <a:schemeClr val="accent6">
                     <a:lumMod val="75000"/>
@@ -10886,13 +10687,13 @@
               <a:t>Action</a:t>
             </a:r>
             <a:r>
-              <a:rPr lang="da-DK" sz="2400" b="1" smtClean="0">
+              <a:rPr lang="da-DK" b="1" smtClean="0">
                 <a:latin typeface="Consolas" panose="020B0609020204030204" pitchFamily="49" charset="0"/>
               </a:rPr>
               <a:t>&lt;</a:t>
             </a:r>
             <a:r>
-              <a:rPr lang="da-DK" sz="2400" b="1" smtClean="0">
+              <a:rPr lang="da-DK" b="1" smtClean="0">
                 <a:solidFill>
                   <a:srgbClr val="0070C0"/>
                 </a:solidFill>
@@ -10901,7 +10702,7 @@
               <a:t>double</a:t>
             </a:r>
             <a:r>
-              <a:rPr lang="da-DK" sz="2400" b="1" smtClean="0">
+              <a:rPr lang="da-DK" b="1" smtClean="0">
                 <a:latin typeface="Consolas" panose="020B0609020204030204" pitchFamily="49" charset="0"/>
               </a:rPr>
               <a:t>&gt; tempChanged;</a:t>
@@ -10915,7 +10716,7 @@
               <a:buNone/>
             </a:pPr>
             <a:r>
-              <a:rPr lang="da-DK" sz="2400" b="1" smtClean="0">
+              <a:rPr lang="da-DK" b="1" smtClean="0">
                 <a:latin typeface="Consolas" panose="020B0609020204030204" pitchFamily="49" charset="0"/>
               </a:rPr>
               <a:t>…</a:t>
@@ -10928,7 +10729,7 @@
               </a:spcBef>
               <a:buNone/>
             </a:pPr>
-            <a:endParaRPr lang="da-DK" sz="2400" b="1">
+            <a:endParaRPr lang="da-DK" b="1">
               <a:latin typeface="Consolas" panose="020B0609020204030204" pitchFamily="49" charset="0"/>
             </a:endParaRPr>
           </a:p>
@@ -10940,28 +10741,13 @@
               <a:buNone/>
             </a:pPr>
             <a:r>
-              <a:rPr lang="da-DK" sz="2400" b="1" smtClean="0">
-                <a:latin typeface="Consolas" panose="020B0609020204030204" pitchFamily="49" charset="0"/>
-              </a:rPr>
-              <a:t>tempChanged </a:t>
-            </a:r>
-            <a:r>
-              <a:rPr lang="da-DK" sz="2400" b="1" smtClean="0">
-                <a:solidFill>
-                  <a:srgbClr val="FF0000"/>
-                </a:solidFill>
-                <a:latin typeface="Consolas" panose="020B0609020204030204" pitchFamily="49" charset="0"/>
-              </a:rPr>
-              <a:t>=</a:t>
-            </a:r>
-            <a:r>
-              <a:rPr lang="da-DK" sz="2400" b="1" smtClean="0">
-                <a:latin typeface="Consolas" panose="020B0609020204030204" pitchFamily="49" charset="0"/>
-              </a:rPr>
-              <a:t> t =&gt; { </a:t>
-            </a:r>
-            <a:r>
-              <a:rPr lang="da-DK" sz="2400" b="1">
+              <a:rPr lang="da-DK" b="1" smtClean="0">
+                <a:latin typeface="Consolas" panose="020B0609020204030204" pitchFamily="49" charset="0"/>
+              </a:rPr>
+              <a:t>tempChanged = t =&gt; { </a:t>
+            </a:r>
+            <a:r>
+              <a:rPr lang="da-DK" b="1">
                 <a:solidFill>
                   <a:schemeClr val="accent6">
                     <a:lumMod val="75000"/>
@@ -10972,168 +10758,10 @@
               <a:t>Console</a:t>
             </a:r>
             <a:r>
-              <a:rPr lang="da-DK" sz="2400" b="1" smtClean="0">
+              <a:rPr lang="da-DK" b="1" smtClean="0">
                 <a:latin typeface="Consolas" panose="020B0609020204030204" pitchFamily="49" charset="0"/>
               </a:rPr>
               <a:t>.WriteLine(t); };</a:t>
-            </a:r>
-          </a:p>
-          <a:p>
-            <a:pPr marL="0" indent="0">
-              <a:spcBef>
-                <a:spcPts val="0"/>
-              </a:spcBef>
-              <a:buNone/>
-            </a:pPr>
-            <a:r>
-              <a:rPr lang="da-DK" sz="2400" b="1">
-                <a:latin typeface="Consolas" panose="020B0609020204030204" pitchFamily="49" charset="0"/>
-              </a:rPr>
-              <a:t>tempChanged </a:t>
-            </a:r>
-            <a:r>
-              <a:rPr lang="da-DK" sz="2400" b="1" smtClean="0">
-                <a:solidFill>
-                  <a:srgbClr val="FF0000"/>
-                </a:solidFill>
-                <a:latin typeface="Consolas" panose="020B0609020204030204" pitchFamily="49" charset="0"/>
-              </a:rPr>
-              <a:t>+=</a:t>
-            </a:r>
-            <a:r>
-              <a:rPr lang="da-DK" sz="2400" b="1" smtClean="0">
-                <a:latin typeface="Consolas" panose="020B0609020204030204" pitchFamily="49" charset="0"/>
-              </a:rPr>
-              <a:t> </a:t>
-            </a:r>
-            <a:r>
-              <a:rPr lang="da-DK" sz="2400" b="1">
-                <a:latin typeface="Consolas" panose="020B0609020204030204" pitchFamily="49" charset="0"/>
-              </a:rPr>
-              <a:t>t =&gt; { </a:t>
-            </a:r>
-            <a:r>
-              <a:rPr lang="da-DK" sz="2400" b="1">
-                <a:solidFill>
-                  <a:schemeClr val="accent6">
-                    <a:lumMod val="75000"/>
-                  </a:schemeClr>
-                </a:solidFill>
-                <a:latin typeface="Consolas" panose="020B0609020204030204" pitchFamily="49" charset="0"/>
-              </a:rPr>
-              <a:t>Console</a:t>
-            </a:r>
-            <a:r>
-              <a:rPr lang="da-DK" sz="2400" b="1">
-                <a:latin typeface="Consolas" panose="020B0609020204030204" pitchFamily="49" charset="0"/>
-              </a:rPr>
-              <a:t>.WriteLine(</a:t>
-            </a:r>
-            <a:r>
-              <a:rPr lang="da-DK" sz="2400" b="1">
-                <a:solidFill>
-                  <a:srgbClr val="C00000"/>
-                </a:solidFill>
-                <a:latin typeface="Consolas" panose="020B0609020204030204" pitchFamily="49" charset="0"/>
-              </a:rPr>
-              <a:t>$"T is {t}"</a:t>
-            </a:r>
-            <a:r>
-              <a:rPr lang="da-DK" sz="2400" b="1" smtClean="0">
-                <a:latin typeface="Consolas" panose="020B0609020204030204" pitchFamily="49" charset="0"/>
-              </a:rPr>
-              <a:t>); };</a:t>
-            </a:r>
-          </a:p>
-          <a:p>
-            <a:pPr marL="0" indent="0">
-              <a:spcBef>
-                <a:spcPts val="0"/>
-              </a:spcBef>
-              <a:buNone/>
-            </a:pPr>
-            <a:r>
-              <a:rPr lang="da-DK" sz="2400" b="1">
-                <a:latin typeface="Consolas" panose="020B0609020204030204" pitchFamily="49" charset="0"/>
-              </a:rPr>
-              <a:t>tempChanged </a:t>
-            </a:r>
-            <a:r>
-              <a:rPr lang="da-DK" sz="2400" b="1" smtClean="0">
-                <a:solidFill>
-                  <a:srgbClr val="FF0000"/>
-                </a:solidFill>
-                <a:latin typeface="Consolas" panose="020B0609020204030204" pitchFamily="49" charset="0"/>
-              </a:rPr>
-              <a:t>=</a:t>
-            </a:r>
-            <a:r>
-              <a:rPr lang="da-DK" sz="2400" b="1" smtClean="0">
-                <a:latin typeface="Consolas" panose="020B0609020204030204" pitchFamily="49" charset="0"/>
-              </a:rPr>
-              <a:t> </a:t>
-            </a:r>
-            <a:r>
-              <a:rPr lang="da-DK" sz="2400" b="1">
-                <a:latin typeface="Consolas" panose="020B0609020204030204" pitchFamily="49" charset="0"/>
-              </a:rPr>
-              <a:t>t =&gt; { </a:t>
-            </a:r>
-            <a:r>
-              <a:rPr lang="da-DK" sz="2400" b="1">
-                <a:solidFill>
-                  <a:schemeClr val="accent6">
-                    <a:lumMod val="75000"/>
-                  </a:schemeClr>
-                </a:solidFill>
-                <a:latin typeface="Consolas" panose="020B0609020204030204" pitchFamily="49" charset="0"/>
-              </a:rPr>
-              <a:t>Console</a:t>
-            </a:r>
-            <a:r>
-              <a:rPr lang="da-DK" sz="2400" b="1">
-                <a:latin typeface="Consolas" panose="020B0609020204030204" pitchFamily="49" charset="0"/>
-              </a:rPr>
-              <a:t>.WriteLine(</a:t>
-            </a:r>
-            <a:r>
-              <a:rPr lang="da-DK" sz="2400" b="1">
-                <a:solidFill>
-                  <a:srgbClr val="C00000"/>
-                </a:solidFill>
-                <a:latin typeface="Consolas" panose="020B0609020204030204" pitchFamily="49" charset="0"/>
-              </a:rPr>
-              <a:t>$"T =</a:t>
-            </a:r>
-            <a:r>
-              <a:rPr lang="da-DK" sz="2400" b="1" smtClean="0">
-                <a:solidFill>
-                  <a:srgbClr val="C00000"/>
-                </a:solidFill>
-                <a:latin typeface="Consolas" panose="020B0609020204030204" pitchFamily="49" charset="0"/>
-              </a:rPr>
-              <a:t> </a:t>
-            </a:r>
-            <a:r>
-              <a:rPr lang="da-DK" sz="2400" b="1">
-                <a:solidFill>
-                  <a:srgbClr val="C00000"/>
-                </a:solidFill>
-                <a:latin typeface="Consolas" panose="020B0609020204030204" pitchFamily="49" charset="0"/>
-              </a:rPr>
-              <a:t>{t}"</a:t>
-            </a:r>
-            <a:r>
-              <a:rPr lang="da-DK" sz="2400" b="1">
-                <a:latin typeface="Consolas" panose="020B0609020204030204" pitchFamily="49" charset="0"/>
-              </a:rPr>
-              <a:t>); </a:t>
-            </a:r>
-            <a:r>
-              <a:rPr lang="da-DK" sz="2400" b="1" smtClean="0">
-                <a:latin typeface="Consolas" panose="020B0609020204030204" pitchFamily="49" charset="0"/>
-              </a:rPr>
-              <a:t>};</a:t>
             </a:r>
           </a:p>
           <a:p>
@@ -11154,63 +10782,16 @@
               </a:spcBef>
               <a:buNone/>
             </a:pPr>
-            <a:r>
-              <a:rPr lang="da-DK" sz="2400" b="1" smtClean="0">
-                <a:latin typeface="Consolas" panose="020B0609020204030204" pitchFamily="49" charset="0"/>
-              </a:rPr>
-              <a:t>tempChanged.Invoke(25.5);</a:t>
-            </a:r>
             <a:endParaRPr lang="da-DK" sz="2400" b="1">
               <a:latin typeface="Consolas" panose="020B0609020204030204" pitchFamily="49" charset="0"/>
             </a:endParaRPr>
           </a:p>
         </p:txBody>
       </p:sp>
-      <p:pic>
-        <p:nvPicPr>
-          <p:cNvPr id="4" name="Picture 2" descr="https://www.iconexperience.com/_img/v_collection_png/512x512/shadow/bomb.png"/>
-          <p:cNvPicPr>
-            <a:picLocks noChangeAspect="1" noChangeArrowheads="1"/>
-          </p:cNvPicPr>
-          <p:nvPr/>
-        </p:nvPicPr>
-        <p:blipFill>
-          <a:blip r:embed="rId2" cstate="print">
-            <a:extLst>
-              <a:ext uri="{28A0092B-C50C-407E-A947-70E740481C1C}">
-                <a14:useLocalDpi xmlns:a14="http://schemas.microsoft.com/office/drawing/2010/main" val="0"/>
-              </a:ext>
-            </a:extLst>
-          </a:blip>
-          <a:srcRect/>
-          <a:stretch>
-            <a:fillRect/>
-          </a:stretch>
-        </p:blipFill>
-        <p:spPr bwMode="auto">
-          <a:xfrm>
-            <a:off x="9445299" y="740629"/>
-            <a:ext cx="1800000" cy="1800000"/>
-          </a:xfrm>
-          <a:prstGeom prst="rect">
-            <a:avLst/>
-          </a:prstGeom>
-          <a:noFill/>
-          <a:extLst>
-            <a:ext uri="{909E8E84-426E-40DD-AFC4-6F175D3DCCD1}">
-              <a14:hiddenFill xmlns:a14="http://schemas.microsoft.com/office/drawing/2010/main">
-                <a:solidFill>
-                  <a:srgbClr val="FFFFFF"/>
-                </a:solidFill>
-              </a14:hiddenFill>
-            </a:ext>
-          </a:extLst>
-        </p:spPr>
-      </p:pic>
     </p:spTree>
     <p:extLst>
       <p:ext uri="{BB962C8B-B14F-4D97-AF65-F5344CB8AC3E}">
-        <p14:creationId xmlns:p14="http://schemas.microsoft.com/office/powerpoint/2010/main" val="1029509327"/>
+        <p14:creationId xmlns:p14="http://schemas.microsoft.com/office/powerpoint/2010/main" val="1975553237"/>
       </p:ext>
     </p:extLst>
   </p:cSld>
@@ -11219,96 +10800,16 @@
   </p:clrMapOvr>
   <mc:AlternateContent xmlns:mc="http://schemas.openxmlformats.org/markup-compatibility/2006" xmlns:p14="http://schemas.microsoft.com/office/powerpoint/2010/main">
     <mc:Choice Requires="p14">
-      <p:transition spd="med" p14:dur="700">
-        <p:fade/>
-      </p:transition>
+      <p:transition p14:dur="0"/>
     </mc:Choice>
     <mc:Fallback xmlns="">
-      <p:transition spd="med">
-        <p:fade/>
-      </p:transition>
+      <p:transition/>
     </mc:Fallback>
   </mc:AlternateContent>
   <p:timing>
     <p:tnLst>
       <p:par>
-        <p:cTn id="1" dur="indefinite" restart="never" nodeType="tmRoot">
-          <p:childTnLst>
-            <p:seq concurrent="1" nextAc="seek">
-              <p:cTn id="2" dur="indefinite" nodeType="mainSeq">
-                <p:childTnLst>
-                  <p:par>
-                    <p:cTn id="3" fill="hold">
-                      <p:stCondLst>
-                        <p:cond delay="indefinite"/>
-                      </p:stCondLst>
-                      <p:childTnLst>
-                        <p:par>
-                          <p:cTn id="4" fill="hold">
-                            <p:stCondLst>
-                              <p:cond delay="0"/>
-                            </p:stCondLst>
-                            <p:childTnLst>
-                              <p:par>
-                                <p:cTn id="5" presetID="10" presetClass="entr" presetSubtype="0" fill="hold" nodeType="clickEffect">
-                                  <p:stCondLst>
-                                    <p:cond delay="0"/>
-                                  </p:stCondLst>
-                                  <p:childTnLst>
-                                    <p:set>
-                                      <p:cBhvr>
-                                        <p:cTn id="6" dur="1" fill="hold">
-                                          <p:stCondLst>
-                                            <p:cond delay="0"/>
-                                          </p:stCondLst>
-                                        </p:cTn>
-                                        <p:tgtEl>
-                                          <p:spTgt spid="4"/>
-                                        </p:tgtEl>
-                                        <p:attrNameLst>
-                                          <p:attrName>style.visibility</p:attrName>
-                                        </p:attrNameLst>
-                                      </p:cBhvr>
-                                      <p:to>
-                                        <p:strVal val="visible"/>
-                                      </p:to>
-                                    </p:set>
-                                    <p:animEffect transition="in" filter="fade">
-                                      <p:cBhvr>
-                                        <p:cTn id="7" dur="500"/>
-                                        <p:tgtEl>
-                                          <p:spTgt spid="4"/>
-                                        </p:tgtEl>
-                                      </p:cBhvr>
-                                    </p:animEffect>
-                                  </p:childTnLst>
-                                </p:cTn>
-                              </p:par>
-                            </p:childTnLst>
-                          </p:cTn>
-                        </p:par>
-                      </p:childTnLst>
-                    </p:cTn>
-                  </p:par>
-                </p:childTnLst>
-              </p:cTn>
-              <p:prevCondLst>
-                <p:cond evt="onPrev" delay="0">
-                  <p:tgtEl>
-                    <p:sldTgt/>
-                  </p:tgtEl>
-                </p:cond>
-              </p:prevCondLst>
-              <p:nextCondLst>
-                <p:cond evt="onNext" delay="0">
-                  <p:tgtEl>
-                    <p:sldTgt/>
-                  </p:tgtEl>
-                </p:cond>
-              </p:nextCondLst>
-            </p:seq>
-          </p:childTnLst>
-        </p:cTn>
+        <p:cTn id="1" dur="indefinite" restart="never" nodeType="tmRoot"/>
       </p:par>
     </p:tnLst>
   </p:timing>
@@ -11584,16 +11085,7 @@
               <a:buNone/>
             </a:pPr>
             <a:r>
-              <a:rPr lang="da-DK" b="1">
-                <a:solidFill>
-                  <a:srgbClr val="0070C0"/>
-                </a:solidFill>
-                <a:latin typeface="Consolas" panose="020B0609020204030204" pitchFamily="49" charset="0"/>
-              </a:rPr>
-              <a:t>public class </a:t>
-            </a:r>
-            <a:r>
-              <a:rPr lang="da-DK" b="1">
+              <a:rPr lang="da-DK" sz="2400" b="1" smtClean="0">
                 <a:solidFill>
                   <a:schemeClr val="accent6">
                     <a:lumMod val="75000"/>
@@ -11601,66 +11093,52 @@
                 </a:solidFill>
                 <a:latin typeface="Consolas" panose="020B0609020204030204" pitchFamily="49" charset="0"/>
               </a:rPr>
-              <a:t>TemperatureMonitor</a:t>
-            </a:r>
-          </a:p>
-          <a:p>
-            <a:pPr marL="0" indent="0">
-              <a:spcBef>
-                <a:spcPts val="0"/>
-              </a:spcBef>
-              <a:buNone/>
-            </a:pPr>
-            <a:r>
-              <a:rPr lang="da-DK" b="1" smtClean="0">
-                <a:latin typeface="Consolas" panose="020B0609020204030204" pitchFamily="49" charset="0"/>
-              </a:rPr>
-              <a:t>{</a:t>
-            </a:r>
-          </a:p>
-          <a:p>
-            <a:pPr marL="0" indent="0">
-              <a:spcBef>
-                <a:spcPts val="0"/>
-              </a:spcBef>
-              <a:buNone/>
-            </a:pPr>
-            <a:r>
-              <a:rPr lang="da-DK" b="1">
-                <a:latin typeface="Consolas" panose="020B0609020204030204" pitchFamily="49" charset="0"/>
-              </a:rPr>
-              <a:t> </a:t>
-            </a:r>
-            <a:r>
-              <a:rPr lang="da-DK" b="1" smtClean="0">
-                <a:latin typeface="Consolas" panose="020B0609020204030204" pitchFamily="49" charset="0"/>
-              </a:rPr>
-              <a:t>   </a:t>
-            </a:r>
-            <a:r>
-              <a:rPr lang="da-DK" b="1">
+              <a:t>Action</a:t>
+            </a:r>
+            <a:r>
+              <a:rPr lang="da-DK" sz="2400" b="1" smtClean="0">
+                <a:latin typeface="Consolas" panose="020B0609020204030204" pitchFamily="49" charset="0"/>
+              </a:rPr>
+              <a:t>&lt;</a:t>
+            </a:r>
+            <a:r>
+              <a:rPr lang="da-DK" sz="2400" b="1" smtClean="0">
                 <a:solidFill>
                   <a:srgbClr val="0070C0"/>
                 </a:solidFill>
                 <a:latin typeface="Consolas" panose="020B0609020204030204" pitchFamily="49" charset="0"/>
               </a:rPr>
-              <a:t>private double </a:t>
-            </a:r>
-            <a:r>
-              <a:rPr lang="da-DK" b="1" smtClean="0">
-                <a:latin typeface="Consolas" panose="020B0609020204030204" pitchFamily="49" charset="0"/>
-              </a:rPr>
-              <a:t>_temperature;</a:t>
-            </a:r>
-          </a:p>
-          <a:p>
-            <a:pPr marL="0" indent="0">
-              <a:spcBef>
-                <a:spcPts val="0"/>
-              </a:spcBef>
-              <a:buNone/>
-            </a:pPr>
-            <a:endParaRPr lang="da-DK" b="1" smtClean="0">
+              <a:t>double</a:t>
+            </a:r>
+            <a:r>
+              <a:rPr lang="da-DK" sz="2400" b="1" smtClean="0">
+                <a:latin typeface="Consolas" panose="020B0609020204030204" pitchFamily="49" charset="0"/>
+              </a:rPr>
+              <a:t>&gt; tempChanged;</a:t>
+            </a:r>
+          </a:p>
+          <a:p>
+            <a:pPr marL="0" indent="0">
+              <a:spcBef>
+                <a:spcPts val="0"/>
+              </a:spcBef>
+              <a:buNone/>
+            </a:pPr>
+            <a:r>
+              <a:rPr lang="da-DK" sz="2400" b="1" smtClean="0">
+                <a:latin typeface="Consolas" panose="020B0609020204030204" pitchFamily="49" charset="0"/>
+              </a:rPr>
+              <a:t>…</a:t>
+            </a:r>
+          </a:p>
+          <a:p>
+            <a:pPr marL="0" indent="0">
+              <a:spcBef>
+                <a:spcPts val="0"/>
+              </a:spcBef>
+              <a:buNone/>
+            </a:pPr>
+            <a:endParaRPr lang="da-DK" sz="2400" b="1">
               <a:latin typeface="Consolas" panose="020B0609020204030204" pitchFamily="49" charset="0"/>
             </a:endParaRPr>
           </a:p>
@@ -11672,46 +11150,28 @@
               <a:buNone/>
             </a:pPr>
             <a:r>
-              <a:rPr lang="da-DK" b="1">
-                <a:latin typeface="Consolas" panose="020B0609020204030204" pitchFamily="49" charset="0"/>
-              </a:rPr>
-              <a:t> </a:t>
-            </a:r>
-            <a:r>
-              <a:rPr lang="da-DK" b="1" smtClean="0">
-                <a:latin typeface="Consolas" panose="020B0609020204030204" pitchFamily="49" charset="0"/>
-              </a:rPr>
-              <a:t>   </a:t>
-            </a:r>
-            <a:r>
-              <a:rPr lang="da-DK" b="1">
-                <a:solidFill>
-                  <a:srgbClr val="0070C0"/>
-                </a:solidFill>
-                <a:latin typeface="Consolas" panose="020B0609020204030204" pitchFamily="49" charset="0"/>
-              </a:rPr>
-              <a:t>public </a:t>
-            </a:r>
-            <a:r>
-              <a:rPr lang="da-DK" b="1">
+              <a:rPr lang="da-DK" sz="2400" b="1" smtClean="0">
+                <a:latin typeface="Consolas" panose="020B0609020204030204" pitchFamily="49" charset="0"/>
+              </a:rPr>
+              <a:t>tempChanged </a:t>
+            </a:r>
+            <a:r>
+              <a:rPr lang="da-DK" sz="2400" b="1" smtClean="0">
                 <a:solidFill>
                   <a:srgbClr val="FF0000"/>
                 </a:solidFill>
                 <a:latin typeface="Consolas" panose="020B0609020204030204" pitchFamily="49" charset="0"/>
               </a:rPr>
-              <a:t>event</a:t>
-            </a:r>
-            <a:r>
-              <a:rPr lang="da-DK" b="1">
-                <a:solidFill>
-                  <a:srgbClr val="0070C0"/>
-                </a:solidFill>
-                <a:latin typeface="Consolas" panose="020B0609020204030204" pitchFamily="49" charset="0"/>
-              </a:rPr>
-              <a:t> </a:t>
-            </a:r>
-            <a:r>
-              <a:rPr lang="da-DK" b="1">
+              <a:t>=</a:t>
+            </a:r>
+            <a:r>
+              <a:rPr lang="da-DK" sz="2400" b="1" smtClean="0">
+                <a:latin typeface="Consolas" panose="020B0609020204030204" pitchFamily="49" charset="0"/>
+              </a:rPr>
+              <a:t> t =&gt; { </a:t>
+            </a:r>
+            <a:r>
+              <a:rPr lang="da-DK" sz="2400" b="1">
                 <a:solidFill>
                   <a:schemeClr val="accent6">
                     <a:lumMod val="75000"/>
@@ -11719,77 +11179,181 @@
                 </a:solidFill>
                 <a:latin typeface="Consolas" panose="020B0609020204030204" pitchFamily="49" charset="0"/>
               </a:rPr>
-              <a:t>Action</a:t>
-            </a:r>
-            <a:r>
-              <a:rPr lang="da-DK" b="1">
-                <a:latin typeface="Consolas" panose="020B0609020204030204" pitchFamily="49" charset="0"/>
-              </a:rPr>
-              <a:t>&lt;</a:t>
-            </a:r>
-            <a:r>
-              <a:rPr lang="da-DK" b="1">
-                <a:solidFill>
-                  <a:srgbClr val="0070C0"/>
-                </a:solidFill>
-                <a:latin typeface="Consolas" panose="020B0609020204030204" pitchFamily="49" charset="0"/>
-              </a:rPr>
-              <a:t>double</a:t>
-            </a:r>
-            <a:r>
-              <a:rPr lang="da-DK" b="1">
-                <a:latin typeface="Consolas" panose="020B0609020204030204" pitchFamily="49" charset="0"/>
-              </a:rPr>
-              <a:t>&gt; </a:t>
-            </a:r>
-            <a:r>
-              <a:rPr lang="da-DK" b="1" smtClean="0">
-                <a:latin typeface="Consolas" panose="020B0609020204030204" pitchFamily="49" charset="0"/>
-              </a:rPr>
-              <a:t>TemperatureChanged;</a:t>
-            </a:r>
-          </a:p>
-          <a:p>
-            <a:pPr marL="0" indent="0">
-              <a:spcBef>
-                <a:spcPts val="0"/>
-              </a:spcBef>
-              <a:buNone/>
-            </a:pPr>
-            <a:r>
-              <a:rPr lang="da-DK" b="1" smtClean="0">
-                <a:latin typeface="Consolas" panose="020B0609020204030204" pitchFamily="49" charset="0"/>
-              </a:rPr>
-              <a:t>    …</a:t>
-            </a:r>
-          </a:p>
-          <a:p>
-            <a:pPr marL="0" indent="0">
-              <a:spcBef>
-                <a:spcPts val="0"/>
-              </a:spcBef>
-              <a:buNone/>
-            </a:pPr>
-            <a:r>
-              <a:rPr lang="da-DK" b="1" smtClean="0">
-                <a:latin typeface="Consolas" panose="020B0609020204030204" pitchFamily="49" charset="0"/>
-              </a:rPr>
-              <a:t>}</a:t>
-            </a:r>
-          </a:p>
-          <a:p>
-            <a:pPr marL="0" indent="0">
-              <a:spcBef>
-                <a:spcPts val="0"/>
-              </a:spcBef>
-              <a:buNone/>
-            </a:pPr>
-            <a:endParaRPr lang="da-DK" sz="2400" b="1" smtClean="0">
-              <a:solidFill>
-                <a:schemeClr val="accent6">
-                  <a:lumMod val="75000"/>
-                </a:schemeClr>
-              </a:solidFill>
+              <a:t>Console</a:t>
+            </a:r>
+            <a:r>
+              <a:rPr lang="da-DK" sz="2400" b="1" smtClean="0">
+                <a:latin typeface="Consolas" panose="020B0609020204030204" pitchFamily="49" charset="0"/>
+              </a:rPr>
+              <a:t>.WriteLine(t); };</a:t>
+            </a:r>
+          </a:p>
+          <a:p>
+            <a:pPr marL="0" indent="0">
+              <a:spcBef>
+                <a:spcPts val="0"/>
+              </a:spcBef>
+              <a:buNone/>
+            </a:pPr>
+            <a:r>
+              <a:rPr lang="da-DK" sz="2400" b="1">
+                <a:latin typeface="Consolas" panose="020B0609020204030204" pitchFamily="49" charset="0"/>
+              </a:rPr>
+              <a:t>tempChanged </a:t>
+            </a:r>
+            <a:r>
+              <a:rPr lang="da-DK" sz="2400" b="1" smtClean="0">
+                <a:solidFill>
+                  <a:srgbClr val="FF0000"/>
+                </a:solidFill>
+                <a:latin typeface="Consolas" panose="020B0609020204030204" pitchFamily="49" charset="0"/>
+              </a:rPr>
+              <a:t>+=</a:t>
+            </a:r>
+            <a:r>
+              <a:rPr lang="da-DK" sz="2400" b="1" smtClean="0">
+                <a:latin typeface="Consolas" panose="020B0609020204030204" pitchFamily="49" charset="0"/>
+              </a:rPr>
+              <a:t> </a:t>
+            </a:r>
+            <a:r>
+              <a:rPr lang="da-DK" sz="2400" b="1">
+                <a:latin typeface="Consolas" panose="020B0609020204030204" pitchFamily="49" charset="0"/>
+              </a:rPr>
+              <a:t>t =&gt; { </a:t>
+            </a:r>
+            <a:r>
+              <a:rPr lang="da-DK" sz="2400" b="1">
+                <a:solidFill>
+                  <a:schemeClr val="accent6">
+                    <a:lumMod val="75000"/>
+                  </a:schemeClr>
+                </a:solidFill>
+                <a:latin typeface="Consolas" panose="020B0609020204030204" pitchFamily="49" charset="0"/>
+              </a:rPr>
+              <a:t>Console</a:t>
+            </a:r>
+            <a:r>
+              <a:rPr lang="da-DK" sz="2400" b="1">
+                <a:latin typeface="Consolas" panose="020B0609020204030204" pitchFamily="49" charset="0"/>
+              </a:rPr>
+              <a:t>.WriteLine(</a:t>
+            </a:r>
+            <a:r>
+              <a:rPr lang="da-DK" sz="2400" b="1">
+                <a:solidFill>
+                  <a:srgbClr val="C00000"/>
+                </a:solidFill>
+                <a:latin typeface="Consolas" panose="020B0609020204030204" pitchFamily="49" charset="0"/>
+              </a:rPr>
+              <a:t>$"T is {t}"</a:t>
+            </a:r>
+            <a:r>
+              <a:rPr lang="da-DK" sz="2400" b="1" smtClean="0">
+                <a:latin typeface="Consolas" panose="020B0609020204030204" pitchFamily="49" charset="0"/>
+              </a:rPr>
+              <a:t>); };</a:t>
+            </a:r>
+          </a:p>
+          <a:p>
+            <a:pPr marL="0" indent="0">
+              <a:spcBef>
+                <a:spcPts val="0"/>
+              </a:spcBef>
+              <a:buNone/>
+            </a:pPr>
+            <a:r>
+              <a:rPr lang="da-DK" sz="2400" b="1">
+                <a:latin typeface="Consolas" panose="020B0609020204030204" pitchFamily="49" charset="0"/>
+              </a:rPr>
+              <a:t>tempChanged </a:t>
+            </a:r>
+            <a:r>
+              <a:rPr lang="da-DK" sz="2400" b="1" smtClean="0">
+                <a:solidFill>
+                  <a:srgbClr val="FF0000"/>
+                </a:solidFill>
+                <a:latin typeface="Consolas" panose="020B0609020204030204" pitchFamily="49" charset="0"/>
+              </a:rPr>
+              <a:t>=</a:t>
+            </a:r>
+            <a:r>
+              <a:rPr lang="da-DK" sz="2400" b="1" smtClean="0">
+                <a:latin typeface="Consolas" panose="020B0609020204030204" pitchFamily="49" charset="0"/>
+              </a:rPr>
+              <a:t> </a:t>
+            </a:r>
+            <a:r>
+              <a:rPr lang="da-DK" sz="2400" b="1">
+                <a:latin typeface="Consolas" panose="020B0609020204030204" pitchFamily="49" charset="0"/>
+              </a:rPr>
+              <a:t>t =&gt; { </a:t>
+            </a:r>
+            <a:r>
+              <a:rPr lang="da-DK" sz="2400" b="1">
+                <a:solidFill>
+                  <a:schemeClr val="accent6">
+                    <a:lumMod val="75000"/>
+                  </a:schemeClr>
+                </a:solidFill>
+                <a:latin typeface="Consolas" panose="020B0609020204030204" pitchFamily="49" charset="0"/>
+              </a:rPr>
+              <a:t>Console</a:t>
+            </a:r>
+            <a:r>
+              <a:rPr lang="da-DK" sz="2400" b="1">
+                <a:latin typeface="Consolas" panose="020B0609020204030204" pitchFamily="49" charset="0"/>
+              </a:rPr>
+              <a:t>.WriteLine(</a:t>
+            </a:r>
+            <a:r>
+              <a:rPr lang="da-DK" sz="2400" b="1">
+                <a:solidFill>
+                  <a:srgbClr val="C00000"/>
+                </a:solidFill>
+                <a:latin typeface="Consolas" panose="020B0609020204030204" pitchFamily="49" charset="0"/>
+              </a:rPr>
+              <a:t>$"T =</a:t>
+            </a:r>
+            <a:r>
+              <a:rPr lang="da-DK" sz="2400" b="1" smtClean="0">
+                <a:solidFill>
+                  <a:srgbClr val="C00000"/>
+                </a:solidFill>
+                <a:latin typeface="Consolas" panose="020B0609020204030204" pitchFamily="49" charset="0"/>
+              </a:rPr>
+              <a:t> </a:t>
+            </a:r>
+            <a:r>
+              <a:rPr lang="da-DK" sz="2400" b="1">
+                <a:solidFill>
+                  <a:srgbClr val="C00000"/>
+                </a:solidFill>
+                <a:latin typeface="Consolas" panose="020B0609020204030204" pitchFamily="49" charset="0"/>
+              </a:rPr>
+              <a:t>{t}"</a:t>
+            </a:r>
+            <a:r>
+              <a:rPr lang="da-DK" sz="2400" b="1">
+                <a:latin typeface="Consolas" panose="020B0609020204030204" pitchFamily="49" charset="0"/>
+              </a:rPr>
+              <a:t>); </a:t>
+            </a:r>
+            <a:r>
+              <a:rPr lang="da-DK" sz="2400" b="1" smtClean="0">
+                <a:latin typeface="Consolas" panose="020B0609020204030204" pitchFamily="49" charset="0"/>
+              </a:rPr>
+              <a:t>};</a:t>
+            </a:r>
+          </a:p>
+          <a:p>
+            <a:pPr marL="0" indent="0">
+              <a:spcBef>
+                <a:spcPts val="0"/>
+              </a:spcBef>
+              <a:buNone/>
+            </a:pPr>
+            <a:endParaRPr lang="da-DK" sz="2400" b="1">
               <a:latin typeface="Consolas" panose="020B0609020204030204" pitchFamily="49" charset="0"/>
             </a:endParaRPr>
           </a:p>
@@ -11800,16 +11364,63 @@
               </a:spcBef>
               <a:buNone/>
             </a:pPr>
-            <a:endParaRPr lang="da-DK" sz="2400" b="1" smtClean="0">
+            <a:r>
+              <a:rPr lang="da-DK" sz="2400" b="1" smtClean="0">
+                <a:latin typeface="Consolas" panose="020B0609020204030204" pitchFamily="49" charset="0"/>
+              </a:rPr>
+              <a:t>tempChanged.Invoke(25.5);</a:t>
+            </a:r>
+            <a:endParaRPr lang="da-DK" sz="2400" b="1">
               <a:latin typeface="Consolas" panose="020B0609020204030204" pitchFamily="49" charset="0"/>
             </a:endParaRPr>
           </a:p>
         </p:txBody>
       </p:sp>
+      <p:pic>
+        <p:nvPicPr>
+          <p:cNvPr id="4" name="Picture 2" descr="https://www.iconexperience.com/_img/v_collection_png/512x512/shadow/bomb.png"/>
+          <p:cNvPicPr>
+            <a:picLocks noChangeAspect="1" noChangeArrowheads="1"/>
+          </p:cNvPicPr>
+          <p:nvPr/>
+        </p:nvPicPr>
+        <p:blipFill>
+          <a:blip r:embed="rId2" cstate="print">
+            <a:extLst>
+              <a:ext uri="{28A0092B-C50C-407E-A947-70E740481C1C}">
+                <a14:useLocalDpi xmlns:a14="http://schemas.microsoft.com/office/drawing/2010/main" val="0"/>
+              </a:ext>
+            </a:extLst>
+          </a:blip>
+          <a:srcRect/>
+          <a:stretch>
+            <a:fillRect/>
+          </a:stretch>
+        </p:blipFill>
+        <p:spPr bwMode="auto">
+          <a:xfrm>
+            <a:off x="9445299" y="740629"/>
+            <a:ext cx="1800000" cy="1800000"/>
+          </a:xfrm>
+          <a:prstGeom prst="rect">
+            <a:avLst/>
+          </a:prstGeom>
+          <a:noFill/>
+          <a:extLst>
+            <a:ext uri="{909E8E84-426E-40DD-AFC4-6F175D3DCCD1}">
+              <a14:hiddenFill xmlns:a14="http://schemas.microsoft.com/office/drawing/2010/main">
+                <a:solidFill>
+                  <a:srgbClr val="FFFFFF"/>
+                </a:solidFill>
+              </a14:hiddenFill>
+            </a:ext>
+          </a:extLst>
+        </p:spPr>
+      </p:pic>
     </p:spTree>
     <p:extLst>
       <p:ext uri="{BB962C8B-B14F-4D97-AF65-F5344CB8AC3E}">
-        <p14:creationId xmlns:p14="http://schemas.microsoft.com/office/powerpoint/2010/main" val="3140456909"/>
+        <p14:creationId xmlns:p14="http://schemas.microsoft.com/office/powerpoint/2010/main" val="1029509327"/>
       </p:ext>
     </p:extLst>
   </p:cSld>
@@ -11818,16 +11429,96 @@
   </p:clrMapOvr>
   <mc:AlternateContent xmlns:mc="http://schemas.openxmlformats.org/markup-compatibility/2006" xmlns:p14="http://schemas.microsoft.com/office/powerpoint/2010/main">
     <mc:Choice Requires="p14">
-      <p:transition p14:dur="0"/>
+      <p:transition spd="med" p14:dur="700">
+        <p:fade/>
+      </p:transition>
     </mc:Choice>
     <mc:Fallback xmlns="">
-      <p:transition/>
+      <p:transition spd="med">
+        <p:fade/>
+      </p:transition>
     </mc:Fallback>
   </mc:AlternateContent>
   <p:timing>
     <p:tnLst>
       <p:par>
-        <p:cTn id="1" dur="indefinite" restart="never" nodeType="tmRoot"/>
+        <p:cTn id="1" dur="indefinite" restart="never" nodeType="tmRoot">
+          <p:childTnLst>
+            <p:seq concurrent="1" nextAc="seek">
+              <p:cTn id="2" dur="indefinite" nodeType="mainSeq">
+                <p:childTnLst>
+                  <p:par>
+                    <p:cTn id="3" fill="hold">
+                      <p:stCondLst>
+                        <p:cond delay="indefinite"/>
+                      </p:stCondLst>
+                      <p:childTnLst>
+                        <p:par>
+                          <p:cTn id="4" fill="hold">
+                            <p:stCondLst>
+                              <p:cond delay="0"/>
+                            </p:stCondLst>
+                            <p:childTnLst>
+                              <p:par>
+                                <p:cTn id="5" presetID="10" presetClass="entr" presetSubtype="0" fill="hold" nodeType="clickEffect">
+                                  <p:stCondLst>
+                                    <p:cond delay="0"/>
+                                  </p:stCondLst>
+                                  <p:childTnLst>
+                                    <p:set>
+                                      <p:cBhvr>
+                                        <p:cTn id="6" dur="1" fill="hold">
+                                          <p:stCondLst>
+                                            <p:cond delay="0"/>
+                                          </p:stCondLst>
+                                        </p:cTn>
+                                        <p:tgtEl>
+                                          <p:spTgt spid="4"/>
+                                        </p:tgtEl>
+                                        <p:attrNameLst>
+                                          <p:attrName>style.visibility</p:attrName>
+                                        </p:attrNameLst>
+                                      </p:cBhvr>
+                                      <p:to>
+                                        <p:strVal val="visible"/>
+                                      </p:to>
+                                    </p:set>
+                                    <p:animEffect transition="in" filter="fade">
+                                      <p:cBhvr>
+                                        <p:cTn id="7" dur="500"/>
+                                        <p:tgtEl>
+                                          <p:spTgt spid="4"/>
+                                        </p:tgtEl>
+                                      </p:cBhvr>
+                                    </p:animEffect>
+                                  </p:childTnLst>
+                                </p:cTn>
+                              </p:par>
+                            </p:childTnLst>
+                          </p:cTn>
+                        </p:par>
+                      </p:childTnLst>
+                    </p:cTn>
+                  </p:par>
+                </p:childTnLst>
+              </p:cTn>
+              <p:prevCondLst>
+                <p:cond evt="onPrev" delay="0">
+                  <p:tgtEl>
+                    <p:sldTgt/>
+                  </p:tgtEl>
+                </p:cond>
+              </p:prevCondLst>
+              <p:nextCondLst>
+                <p:cond evt="onNext" delay="0">
+                  <p:tgtEl>
+                    <p:sldTgt/>
+                  </p:tgtEl>
+                </p:cond>
+              </p:nextCondLst>
+            </p:seq>
+          </p:childTnLst>
+        </p:cTn>
       </p:par>
     </p:tnLst>
   </p:timing>
@@ -11916,6 +11607,329 @@
               <a:t>public class </a:t>
             </a:r>
             <a:r>
+              <a:rPr lang="da-DK" b="1">
+                <a:solidFill>
+                  <a:schemeClr val="accent6">
+                    <a:lumMod val="75000"/>
+                  </a:schemeClr>
+                </a:solidFill>
+                <a:latin typeface="Consolas" panose="020B0609020204030204" pitchFamily="49" charset="0"/>
+              </a:rPr>
+              <a:t>TemperatureMonitor</a:t>
+            </a:r>
+          </a:p>
+          <a:p>
+            <a:pPr marL="0" indent="0">
+              <a:spcBef>
+                <a:spcPts val="0"/>
+              </a:spcBef>
+              <a:buNone/>
+            </a:pPr>
+            <a:r>
+              <a:rPr lang="da-DK" b="1" smtClean="0">
+                <a:latin typeface="Consolas" panose="020B0609020204030204" pitchFamily="49" charset="0"/>
+              </a:rPr>
+              <a:t>{</a:t>
+            </a:r>
+          </a:p>
+          <a:p>
+            <a:pPr marL="0" indent="0">
+              <a:spcBef>
+                <a:spcPts val="0"/>
+              </a:spcBef>
+              <a:buNone/>
+            </a:pPr>
+            <a:r>
+              <a:rPr lang="da-DK" b="1">
+                <a:latin typeface="Consolas" panose="020B0609020204030204" pitchFamily="49" charset="0"/>
+              </a:rPr>
+              <a:t> </a:t>
+            </a:r>
+            <a:r>
+              <a:rPr lang="da-DK" b="1" smtClean="0">
+                <a:latin typeface="Consolas" panose="020B0609020204030204" pitchFamily="49" charset="0"/>
+              </a:rPr>
+              <a:t>   </a:t>
+            </a:r>
+            <a:r>
+              <a:rPr lang="da-DK" b="1">
+                <a:solidFill>
+                  <a:srgbClr val="0070C0"/>
+                </a:solidFill>
+                <a:latin typeface="Consolas" panose="020B0609020204030204" pitchFamily="49" charset="0"/>
+              </a:rPr>
+              <a:t>private double </a:t>
+            </a:r>
+            <a:r>
+              <a:rPr lang="da-DK" b="1" smtClean="0">
+                <a:latin typeface="Consolas" panose="020B0609020204030204" pitchFamily="49" charset="0"/>
+              </a:rPr>
+              <a:t>_temperature;</a:t>
+            </a:r>
+          </a:p>
+          <a:p>
+            <a:pPr marL="0" indent="0">
+              <a:spcBef>
+                <a:spcPts val="0"/>
+              </a:spcBef>
+              <a:buNone/>
+            </a:pPr>
+            <a:endParaRPr lang="da-DK" b="1" smtClean="0">
+              <a:latin typeface="Consolas" panose="020B0609020204030204" pitchFamily="49" charset="0"/>
+            </a:endParaRPr>
+          </a:p>
+          <a:p>
+            <a:pPr marL="0" indent="0">
+              <a:spcBef>
+                <a:spcPts val="0"/>
+              </a:spcBef>
+              <a:buNone/>
+            </a:pPr>
+            <a:r>
+              <a:rPr lang="da-DK" b="1">
+                <a:latin typeface="Consolas" panose="020B0609020204030204" pitchFamily="49" charset="0"/>
+              </a:rPr>
+              <a:t> </a:t>
+            </a:r>
+            <a:r>
+              <a:rPr lang="da-DK" b="1" smtClean="0">
+                <a:latin typeface="Consolas" panose="020B0609020204030204" pitchFamily="49" charset="0"/>
+              </a:rPr>
+              <a:t>   </a:t>
+            </a:r>
+            <a:r>
+              <a:rPr lang="da-DK" b="1">
+                <a:solidFill>
+                  <a:srgbClr val="0070C0"/>
+                </a:solidFill>
+                <a:latin typeface="Consolas" panose="020B0609020204030204" pitchFamily="49" charset="0"/>
+              </a:rPr>
+              <a:t>public </a:t>
+            </a:r>
+            <a:r>
+              <a:rPr lang="da-DK" b="1">
+                <a:solidFill>
+                  <a:srgbClr val="FF0000"/>
+                </a:solidFill>
+                <a:latin typeface="Consolas" panose="020B0609020204030204" pitchFamily="49" charset="0"/>
+              </a:rPr>
+              <a:t>event</a:t>
+            </a:r>
+            <a:r>
+              <a:rPr lang="da-DK" b="1">
+                <a:solidFill>
+                  <a:srgbClr val="0070C0"/>
+                </a:solidFill>
+                <a:latin typeface="Consolas" panose="020B0609020204030204" pitchFamily="49" charset="0"/>
+              </a:rPr>
+              <a:t> </a:t>
+            </a:r>
+            <a:r>
+              <a:rPr lang="da-DK" b="1">
+                <a:solidFill>
+                  <a:schemeClr val="accent6">
+                    <a:lumMod val="75000"/>
+                  </a:schemeClr>
+                </a:solidFill>
+                <a:latin typeface="Consolas" panose="020B0609020204030204" pitchFamily="49" charset="0"/>
+              </a:rPr>
+              <a:t>Action</a:t>
+            </a:r>
+            <a:r>
+              <a:rPr lang="da-DK" b="1">
+                <a:latin typeface="Consolas" panose="020B0609020204030204" pitchFamily="49" charset="0"/>
+              </a:rPr>
+              <a:t>&lt;</a:t>
+            </a:r>
+            <a:r>
+              <a:rPr lang="da-DK" b="1">
+                <a:solidFill>
+                  <a:srgbClr val="0070C0"/>
+                </a:solidFill>
+                <a:latin typeface="Consolas" panose="020B0609020204030204" pitchFamily="49" charset="0"/>
+              </a:rPr>
+              <a:t>double</a:t>
+            </a:r>
+            <a:r>
+              <a:rPr lang="da-DK" b="1">
+                <a:latin typeface="Consolas" panose="020B0609020204030204" pitchFamily="49" charset="0"/>
+              </a:rPr>
+              <a:t>&gt; </a:t>
+            </a:r>
+            <a:r>
+              <a:rPr lang="da-DK" b="1" smtClean="0">
+                <a:latin typeface="Consolas" panose="020B0609020204030204" pitchFamily="49" charset="0"/>
+              </a:rPr>
+              <a:t>TemperatureChanged;</a:t>
+            </a:r>
+          </a:p>
+          <a:p>
+            <a:pPr marL="0" indent="0">
+              <a:spcBef>
+                <a:spcPts val="0"/>
+              </a:spcBef>
+              <a:buNone/>
+            </a:pPr>
+            <a:r>
+              <a:rPr lang="da-DK" b="1" smtClean="0">
+                <a:latin typeface="Consolas" panose="020B0609020204030204" pitchFamily="49" charset="0"/>
+              </a:rPr>
+              <a:t>    …</a:t>
+            </a:r>
+          </a:p>
+          <a:p>
+            <a:pPr marL="0" indent="0">
+              <a:spcBef>
+                <a:spcPts val="0"/>
+              </a:spcBef>
+              <a:buNone/>
+            </a:pPr>
+            <a:r>
+              <a:rPr lang="da-DK" b="1" smtClean="0">
+                <a:latin typeface="Consolas" panose="020B0609020204030204" pitchFamily="49" charset="0"/>
+              </a:rPr>
+              <a:t>}</a:t>
+            </a:r>
+          </a:p>
+          <a:p>
+            <a:pPr marL="0" indent="0">
+              <a:spcBef>
+                <a:spcPts val="0"/>
+              </a:spcBef>
+              <a:buNone/>
+            </a:pPr>
+            <a:endParaRPr lang="da-DK" sz="2400" b="1" smtClean="0">
+              <a:solidFill>
+                <a:schemeClr val="accent6">
+                  <a:lumMod val="75000"/>
+                </a:schemeClr>
+              </a:solidFill>
+              <a:latin typeface="Consolas" panose="020B0609020204030204" pitchFamily="49" charset="0"/>
+            </a:endParaRPr>
+          </a:p>
+          <a:p>
+            <a:pPr marL="0" indent="0">
+              <a:spcBef>
+                <a:spcPts val="0"/>
+              </a:spcBef>
+              <a:buNone/>
+            </a:pPr>
+            <a:endParaRPr lang="da-DK" sz="2400" b="1" smtClean="0">
+              <a:latin typeface="Consolas" panose="020B0609020204030204" pitchFamily="49" charset="0"/>
+            </a:endParaRPr>
+          </a:p>
+        </p:txBody>
+      </p:sp>
+    </p:spTree>
+    <p:extLst>
+      <p:ext uri="{BB962C8B-B14F-4D97-AF65-F5344CB8AC3E}">
+        <p14:creationId xmlns:p14="http://schemas.microsoft.com/office/powerpoint/2010/main" val="3140456909"/>
+      </p:ext>
+    </p:extLst>
+  </p:cSld>
+  <p:clrMapOvr>
+    <a:masterClrMapping/>
+  </p:clrMapOvr>
+  <mc:AlternateContent xmlns:mc="http://schemas.openxmlformats.org/markup-compatibility/2006" xmlns:p14="http://schemas.microsoft.com/office/powerpoint/2010/main">
+    <mc:Choice Requires="p14">
+      <p:transition p14:dur="0"/>
+    </mc:Choice>
+    <mc:Fallback xmlns="">
+      <p:transition/>
+    </mc:Fallback>
+  </mc:AlternateContent>
+  <p:timing>
+    <p:tnLst>
+      <p:par>
+        <p:cTn id="1" dur="indefinite" restart="never" nodeType="tmRoot"/>
+      </p:par>
+    </p:tnLst>
+  </p:timing>
+</p:sld>
+</file>
+
+<file path=ppt/slides/slide32.xml><?xml version="1.0" encoding="utf-8"?>
+<p:sld xmlns:a="http://schemas.openxmlformats.org/drawingml/2006/main" xmlns:r="http://schemas.openxmlformats.org/officeDocument/2006/relationships" xmlns:p="http://schemas.openxmlformats.org/presentationml/2006/main">
+  <p:cSld>
+    <p:spTree>
+      <p:nvGrpSpPr>
+        <p:cNvPr id="1" name=""/>
+        <p:cNvGrpSpPr/>
+        <p:nvPr/>
+      </p:nvGrpSpPr>
+      <p:grpSpPr>
+        <a:xfrm>
+          <a:off x="0" y="0"/>
+          <a:ext cx="0" cy="0"/>
+          <a:chOff x="0" y="0"/>
+          <a:chExt cx="0" cy="0"/>
+        </a:xfrm>
+      </p:grpSpPr>
+      <p:sp>
+        <p:nvSpPr>
+          <p:cNvPr id="3" name="Pladsholder til indhold 2"/>
+          <p:cNvSpPr>
+            <a:spLocks noGrp="1"/>
+          </p:cNvSpPr>
+          <p:nvPr>
+            <p:ph idx="1"/>
+          </p:nvPr>
+        </p:nvSpPr>
+        <p:spPr>
+          <a:xfrm>
+            <a:off x="919479" y="1067011"/>
+            <a:ext cx="11021907" cy="5123815"/>
+          </a:xfrm>
+        </p:spPr>
+        <p:txBody>
+          <a:bodyPr>
+            <a:noAutofit/>
+          </a:bodyPr>
+          <a:lstStyle/>
+          <a:p>
+            <a:pPr marL="0" indent="0">
+              <a:spcBef>
+                <a:spcPts val="0"/>
+              </a:spcBef>
+              <a:buNone/>
+            </a:pPr>
+            <a:endParaRPr lang="da-DK" sz="2400" b="1">
+              <a:latin typeface="Consolas" panose="020B0609020204030204" pitchFamily="49" charset="0"/>
+            </a:endParaRPr>
+          </a:p>
+          <a:p>
+            <a:pPr marL="0" indent="0">
+              <a:spcBef>
+                <a:spcPts val="0"/>
+              </a:spcBef>
+              <a:buNone/>
+            </a:pPr>
+            <a:endParaRPr lang="da-DK" sz="3200" b="1" smtClean="0">
+              <a:solidFill>
+                <a:schemeClr val="accent6">
+                  <a:lumMod val="75000"/>
+                </a:schemeClr>
+              </a:solidFill>
+              <a:latin typeface="Consolas" panose="020B0609020204030204" pitchFamily="49" charset="0"/>
+            </a:endParaRPr>
+          </a:p>
+          <a:p>
+            <a:pPr marL="0" indent="0">
+              <a:spcBef>
+                <a:spcPts val="0"/>
+              </a:spcBef>
+              <a:buNone/>
+            </a:pPr>
+            <a:r>
+              <a:rPr lang="da-DK" b="1">
+                <a:solidFill>
+                  <a:srgbClr val="0070C0"/>
+                </a:solidFill>
+                <a:latin typeface="Consolas" panose="020B0609020204030204" pitchFamily="49" charset="0"/>
+              </a:rPr>
+              <a:t>public class </a:t>
+            </a:r>
+            <a:r>
               <a:rPr lang="da-DK" b="1" smtClean="0">
                 <a:solidFill>
                   <a:schemeClr val="accent6">
@@ -11996,18 +12010,7 @@
                 </a:solidFill>
                 <a:latin typeface="Consolas" panose="020B0609020204030204" pitchFamily="49" charset="0"/>
               </a:rPr>
-              <a:t>    </a:t>
-            </a:r>
-            <a:r>
-              <a:rPr lang="da-DK" b="1" smtClean="0">
-                <a:solidFill>
-                  <a:schemeClr val="accent1">
-                    <a:lumMod val="75000"/>
-                  </a:schemeClr>
-                </a:solidFill>
-                <a:latin typeface="Consolas" panose="020B0609020204030204" pitchFamily="49" charset="0"/>
-              </a:rPr>
-              <a:t>public void </a:t>
+              <a:t>    public void </a:t>
             </a:r>
             <a:r>
               <a:rPr lang="da-DK" b="1">
@@ -12323,7 +12326,7 @@
 </p:sld>
 </file>
 
-<file path=ppt/slides/slide32.xml><?xml version="1.0" encoding="utf-8"?>
+<file path=ppt/slides/slide33.xml><?xml version="1.0" encoding="utf-8"?>
 <p:sld xmlns:a="http://schemas.openxmlformats.org/drawingml/2006/main" xmlns:r="http://schemas.openxmlformats.org/officeDocument/2006/relationships" xmlns:p="http://schemas.openxmlformats.org/presentationml/2006/main">
   <p:cSld>
     <p:spTree>
@@ -12607,7 +12610,7 @@
 </p:sld>
 </file>
 
-<file path=ppt/slides/slide33.xml><?xml version="1.0" encoding="utf-8"?>
+<file path=ppt/slides/slide34.xml><?xml version="1.0" encoding="utf-8"?>
 <p:sld xmlns:a="http://schemas.openxmlformats.org/drawingml/2006/main" xmlns:r="http://schemas.openxmlformats.org/officeDocument/2006/relationships" xmlns:p="http://schemas.openxmlformats.org/presentationml/2006/main">
   <p:cSld>
     <p:spTree>
@@ -13013,7 +13016,7 @@
 </p:sld>
 </file>
 
-<file path=ppt/slides/slide34.xml><?xml version="1.0" encoding="utf-8"?>
+<file path=ppt/slides/slide35.xml><?xml version="1.0" encoding="utf-8"?>
 <p:sld xmlns:a="http://schemas.openxmlformats.org/drawingml/2006/main" xmlns:r="http://schemas.openxmlformats.org/officeDocument/2006/relationships" xmlns:p="http://schemas.openxmlformats.org/presentationml/2006/main">
   <p:cSld>
     <p:spTree>
@@ -13530,7 +13533,7 @@
 </p:sld>
 </file>
 
-<file path=ppt/slides/slide35.xml><?xml version="1.0" encoding="utf-8"?>
+<file path=ppt/slides/slide36.xml><?xml version="1.0" encoding="utf-8"?>
 <p:sld xmlns:a="http://schemas.openxmlformats.org/drawingml/2006/main" xmlns:r="http://schemas.openxmlformats.org/officeDocument/2006/relationships" xmlns:p="http://schemas.openxmlformats.org/presentationml/2006/main">
   <p:cSld>
     <p:spTree>
@@ -14176,7 +14179,7 @@
 </p:sld>
 </file>
 
-<file path=ppt/slides/slide36.xml><?xml version="1.0" encoding="utf-8"?>
+<file path=ppt/slides/slide37.xml><?xml version="1.0" encoding="utf-8"?>
 <p:sld xmlns:a="http://schemas.openxmlformats.org/drawingml/2006/main" xmlns:r="http://schemas.openxmlformats.org/officeDocument/2006/relationships" xmlns:p="http://schemas.openxmlformats.org/presentationml/2006/main">
   <p:cSld>
     <p:spTree>
@@ -15004,7 +15007,7 @@
 </p:sld>
 </file>
 
-<file path=ppt/slides/slide37.xml><?xml version="1.0" encoding="utf-8"?>
+<file path=ppt/slides/slide38.xml><?xml version="1.0" encoding="utf-8"?>
 <p:sld xmlns:a="http://schemas.openxmlformats.org/drawingml/2006/main" xmlns:r="http://schemas.openxmlformats.org/officeDocument/2006/relationships" xmlns:p="http://schemas.openxmlformats.org/presentationml/2006/main">
   <p:cSld>
     <p:spTree>
@@ -15352,7 +15355,7 @@
 </p:sld>
 </file>
 
-<file path=ppt/slides/slide38.xml><?xml version="1.0" encoding="utf-8"?>
+<file path=ppt/slides/slide39.xml><?xml version="1.0" encoding="utf-8"?>
 <p:sld xmlns:a="http://schemas.openxmlformats.org/drawingml/2006/main" xmlns:r="http://schemas.openxmlformats.org/officeDocument/2006/relationships" xmlns:p="http://schemas.openxmlformats.org/presentationml/2006/main">
   <p:cSld>
     <p:spTree>
@@ -15840,6 +15843,74 @@
 </p:sld>
 </file>
 
+<file path=ppt/slides/slide40.xml><?xml version="1.0" encoding="utf-8"?>
+<p:sld xmlns:a="http://schemas.openxmlformats.org/drawingml/2006/main" xmlns:r="http://schemas.openxmlformats.org/officeDocument/2006/relationships" xmlns:p="http://schemas.openxmlformats.org/presentationml/2006/main">
+  <p:cSld>
+    <p:spTree>
+      <p:nvGrpSpPr>
+        <p:cNvPr id="1" name=""/>
+        <p:cNvGrpSpPr/>
+        <p:nvPr/>
+      </p:nvGrpSpPr>
+      <p:grpSpPr>
+        <a:xfrm>
+          <a:off x="0" y="0"/>
+          <a:ext cx="0" cy="0"/>
+          <a:chOff x="0" y="0"/>
+          <a:chExt cx="0" cy="0"/>
+        </a:xfrm>
+      </p:grpSpPr>
+      <p:sp>
+        <p:nvSpPr>
+          <p:cNvPr id="2" name="Titel 1"/>
+          <p:cNvSpPr>
+            <a:spLocks noGrp="1"/>
+          </p:cNvSpPr>
+          <p:nvPr>
+            <p:ph type="ctrTitle"/>
+          </p:nvPr>
+        </p:nvSpPr>
+        <p:spPr>
+          <a:xfrm>
+            <a:off x="1524000" y="1122362"/>
+            <a:ext cx="9144000" cy="3594017"/>
+          </a:xfrm>
+        </p:spPr>
+        <p:txBody>
+          <a:bodyPr/>
+          <a:lstStyle/>
+          <a:p>
+            <a:r>
+              <a:rPr lang="da-DK" sz="19200" b="1" smtClean="0"/>
+              <a:t>Code</a:t>
+            </a:r>
+            <a:r>
+              <a:rPr lang="da-DK" sz="19200" b="1"/>
+              <a:t>!</a:t>
+            </a:r>
+          </a:p>
+        </p:txBody>
+      </p:sp>
+    </p:spTree>
+    <p:extLst>
+      <p:ext uri="{BB962C8B-B14F-4D97-AF65-F5344CB8AC3E}">
+        <p14:creationId xmlns:p14="http://schemas.microsoft.com/office/powerpoint/2010/main" val="1363971020"/>
+      </p:ext>
+    </p:extLst>
+  </p:cSld>
+  <p:clrMapOvr>
+    <a:masterClrMapping/>
+  </p:clrMapOvr>
+  <p:timing>
+    <p:tnLst>
+      <p:par>
+        <p:cTn id="1" dur="indefinite" restart="never" nodeType="tmRoot"/>
+      </p:par>
+    </p:tnLst>
+  </p:timing>
+</p:sld>
+</file>
+
 <file path=ppt/slides/slide5.xml><?xml version="1.0" encoding="utf-8"?>
 <p:sld xmlns:a="http://schemas.openxmlformats.org/drawingml/2006/main" xmlns:r="http://schemas.openxmlformats.org/officeDocument/2006/relationships" xmlns:p="http://schemas.openxmlformats.org/presentationml/2006/main">
   <p:cSld>
@@ -16127,34 +16198,22 @@
               <a:rPr lang="en-US" sz="2400" b="1" smtClean="0">
                 <a:latin typeface="Consolas" panose="020B0609020204030204" pitchFamily="49" charset="0"/>
               </a:rPr>
-              <a:t> </a:t>
+              <a:t> (</a:t>
             </a:r>
             <a:r>
               <a:rPr lang="en-US" sz="2400" b="1" smtClean="0">
-                <a:latin typeface="Consolas" panose="020B0609020204030204" pitchFamily="49" charset="0"/>
-              </a:rPr>
-              <a:t>(</a:t>
+                <a:solidFill>
+                  <a:srgbClr val="0070C0"/>
+                </a:solidFill>
+                <a:latin typeface="Consolas" panose="020B0609020204030204" pitchFamily="49" charset="0"/>
+              </a:rPr>
+              <a:t>int</a:t>
             </a:r>
             <a:r>
               <a:rPr lang="en-US" sz="2400" b="1" smtClean="0">
-                <a:solidFill>
-                  <a:srgbClr val="0070C0"/>
-                </a:solidFill>
-                <a:latin typeface="Consolas" panose="020B0609020204030204" pitchFamily="49" charset="0"/>
-              </a:rPr>
-              <a:t>int</a:t>
-            </a:r>
-            <a:r>
-              <a:rPr lang="en-US" sz="2400" b="1" smtClean="0">
-                <a:latin typeface="Consolas" panose="020B0609020204030204" pitchFamily="49" charset="0"/>
-              </a:rPr>
-              <a:t> </a:t>
-            </a:r>
-            <a:r>
-              <a:rPr lang="en-US" sz="2400" b="1" smtClean="0">
-                <a:latin typeface="Consolas" panose="020B0609020204030204" pitchFamily="49" charset="0"/>
-              </a:rPr>
-              <a:t>v </a:t>
+                <a:latin typeface="Consolas" panose="020B0609020204030204" pitchFamily="49" charset="0"/>
+              </a:rPr>
+              <a:t> v </a:t>
             </a:r>
             <a:r>
               <a:rPr lang="en-US" sz="2400" b="1">
@@ -16478,7 +16537,7 @@
                   <a:schemeClr val="tx1"/>
                 </a:solidFill>
               </a:rPr>
-              <a:t> criterion</a:t>
+              <a:t> condition</a:t>
             </a:r>
             <a:endParaRPr lang="da-DK" sz="2400">
               <a:solidFill>
@@ -16961,65 +17020,113 @@
             <a:r>
               <a:rPr lang="da-DK" sz="2000" b="1">
                 <a:solidFill>
+                  <a:srgbClr val="FF0000"/>
+                </a:solidFill>
+                <a:latin typeface="Consolas" panose="020B0609020204030204" pitchFamily="49" charset="0"/>
+              </a:rPr>
+              <a:t>ICondition</a:t>
+            </a:r>
+            <a:r>
+              <a:rPr lang="da-DK" sz="2000" b="1" smtClean="0">
+                <a:solidFill>
+                  <a:srgbClr val="FF0000"/>
+                </a:solidFill>
+                <a:latin typeface="Consolas" panose="020B0609020204030204" pitchFamily="49" charset="0"/>
+              </a:rPr>
+              <a:t> conditionObj</a:t>
+            </a:r>
+            <a:r>
+              <a:rPr lang="da-DK" sz="2000" b="1" smtClean="0">
+                <a:latin typeface="Consolas" panose="020B0609020204030204" pitchFamily="49" charset="0"/>
+              </a:rPr>
+              <a:t>)</a:t>
+            </a:r>
+            <a:endParaRPr lang="da-DK" sz="2000" b="1">
+              <a:latin typeface="Consolas" panose="020B0609020204030204" pitchFamily="49" charset="0"/>
+            </a:endParaRPr>
+          </a:p>
+          <a:p>
+            <a:pPr marL="0" indent="0">
+              <a:spcBef>
+                <a:spcPts val="0"/>
+              </a:spcBef>
+              <a:buNone/>
+            </a:pPr>
+            <a:r>
+              <a:rPr lang="da-DK" sz="2000" b="1" smtClean="0">
+                <a:latin typeface="Consolas" panose="020B0609020204030204" pitchFamily="49" charset="0"/>
+              </a:rPr>
+              <a:t>{</a:t>
+            </a:r>
+            <a:endParaRPr lang="da-DK" sz="2000" b="1">
+              <a:latin typeface="Consolas" panose="020B0609020204030204" pitchFamily="49" charset="0"/>
+            </a:endParaRPr>
+          </a:p>
+          <a:p>
+            <a:pPr marL="0" indent="0">
+              <a:spcBef>
+                <a:spcPts val="0"/>
+              </a:spcBef>
+              <a:buNone/>
+            </a:pPr>
+            <a:r>
+              <a:rPr lang="da-DK" sz="2000" b="1">
+                <a:latin typeface="Consolas" panose="020B0609020204030204" pitchFamily="49" charset="0"/>
+              </a:rPr>
+              <a:t> </a:t>
+            </a:r>
+            <a:r>
+              <a:rPr lang="da-DK" sz="2000" b="1" smtClean="0">
+                <a:latin typeface="Consolas" panose="020B0609020204030204" pitchFamily="49" charset="0"/>
+              </a:rPr>
+              <a:t>   </a:t>
+            </a:r>
+            <a:r>
+              <a:rPr lang="da-DK" sz="2000" b="1">
+                <a:solidFill>
                   <a:schemeClr val="accent6">
                     <a:lumMod val="75000"/>
                   </a:schemeClr>
                 </a:solidFill>
                 <a:latin typeface="Consolas" panose="020B0609020204030204" pitchFamily="49" charset="0"/>
               </a:rPr>
-              <a:t>ICondition</a:t>
+              <a:t>List</a:t>
             </a:r>
             <a:r>
               <a:rPr lang="da-DK" sz="2000" b="1" smtClean="0">
                 <a:latin typeface="Consolas" panose="020B0609020204030204" pitchFamily="49" charset="0"/>
               </a:rPr>
+              <a:t>&lt;</a:t>
+            </a:r>
+            <a:r>
+              <a:rPr lang="da-DK" sz="2000" b="1">
+                <a:solidFill>
+                  <a:srgbClr val="0070C0"/>
+                </a:solidFill>
+                <a:latin typeface="Consolas" panose="020B0609020204030204" pitchFamily="49" charset="0"/>
+              </a:rPr>
+              <a:t>int</a:t>
+            </a:r>
+            <a:r>
+              <a:rPr lang="da-DK" sz="2000" b="1">
+                <a:latin typeface="Consolas" panose="020B0609020204030204" pitchFamily="49" charset="0"/>
+              </a:rPr>
+              <a:t>&gt; filteredValues = </a:t>
+            </a:r>
+            <a:r>
+              <a:rPr lang="da-DK" sz="2000" b="1">
+                <a:solidFill>
+                  <a:srgbClr val="0070C0"/>
+                </a:solidFill>
+                <a:latin typeface="Consolas" panose="020B0609020204030204" pitchFamily="49" charset="0"/>
+              </a:rPr>
+              <a:t>new</a:t>
+            </a:r>
+            <a:r>
+              <a:rPr lang="da-DK" sz="2000" b="1">
+                <a:latin typeface="Consolas" panose="020B0609020204030204" pitchFamily="49" charset="0"/>
+              </a:rPr>
               <a:t> </a:t>
-            </a:r>
-            <a:r>
-              <a:rPr lang="da-DK" sz="2000" b="1" smtClean="0">
-                <a:latin typeface="Consolas" panose="020B0609020204030204" pitchFamily="49" charset="0"/>
-              </a:rPr>
-              <a:t>conditionObj)</a:t>
-            </a:r>
-            <a:endParaRPr lang="da-DK" sz="2000" b="1">
-              <a:latin typeface="Consolas" panose="020B0609020204030204" pitchFamily="49" charset="0"/>
-            </a:endParaRPr>
-          </a:p>
-          <a:p>
-            <a:pPr marL="0" indent="0">
-              <a:spcBef>
-                <a:spcPts val="0"/>
-              </a:spcBef>
-              <a:buNone/>
-            </a:pPr>
-            <a:r>
-              <a:rPr lang="da-DK" sz="2000" b="1" smtClean="0">
-                <a:latin typeface="Consolas" panose="020B0609020204030204" pitchFamily="49" charset="0"/>
-              </a:rPr>
-              <a:t>{</a:t>
-            </a:r>
-            <a:endParaRPr lang="da-DK" sz="2000" b="1">
-              <a:latin typeface="Consolas" panose="020B0609020204030204" pitchFamily="49" charset="0"/>
-            </a:endParaRPr>
-          </a:p>
-          <a:p>
-            <a:pPr marL="0" indent="0">
-              <a:spcBef>
-                <a:spcPts val="0"/>
-              </a:spcBef>
-              <a:buNone/>
-            </a:pPr>
-            <a:r>
-              <a:rPr lang="da-DK" sz="2000" b="1">
-                <a:latin typeface="Consolas" panose="020B0609020204030204" pitchFamily="49" charset="0"/>
-              </a:rPr>
-              <a:t> </a:t>
-            </a:r>
-            <a:r>
-              <a:rPr lang="da-DK" sz="2000" b="1" smtClean="0">
-                <a:latin typeface="Consolas" panose="020B0609020204030204" pitchFamily="49" charset="0"/>
-              </a:rPr>
-              <a:t>   </a:t>
             </a:r>
             <a:r>
               <a:rPr lang="da-DK" sz="2000" b="1">
@@ -17033,53 +17140,6 @@
               <a:t>List</a:t>
             </a:r>
             <a:r>
-              <a:rPr lang="da-DK" sz="2000" b="1" smtClean="0">
-                <a:latin typeface="Consolas" panose="020B0609020204030204" pitchFamily="49" charset="0"/>
-              </a:rPr>
-              <a:t>&lt;</a:t>
-            </a:r>
-            <a:r>
-              <a:rPr lang="da-DK" sz="2000" b="1">
-                <a:solidFill>
-                  <a:srgbClr val="0070C0"/>
-                </a:solidFill>
-                <a:latin typeface="Consolas" panose="020B0609020204030204" pitchFamily="49" charset="0"/>
-              </a:rPr>
-              <a:t>int</a:t>
-            </a:r>
-            <a:r>
-              <a:rPr lang="da-DK" sz="2000" b="1">
-                <a:latin typeface="Consolas" panose="020B0609020204030204" pitchFamily="49" charset="0"/>
-              </a:rPr>
-              <a:t>&gt; filteredValues = </a:t>
-            </a:r>
-            <a:r>
-              <a:rPr lang="da-DK" sz="2000" b="1">
-                <a:solidFill>
-                  <a:srgbClr val="0070C0"/>
-                </a:solidFill>
-                <a:latin typeface="Consolas" panose="020B0609020204030204" pitchFamily="49" charset="0"/>
-              </a:rPr>
-              <a:t>new</a:t>
-            </a:r>
-            <a:r>
-              <a:rPr lang="da-DK" sz="2000" b="1">
-                <a:latin typeface="Consolas" panose="020B0609020204030204" pitchFamily="49" charset="0"/>
-              </a:rPr>
-              <a:t> </a:t>
-            </a:r>
-            <a:r>
-              <a:rPr lang="da-DK" sz="2000" b="1">
-                <a:solidFill>
-                  <a:schemeClr val="accent6">
-                    <a:lumMod val="75000"/>
-                  </a:schemeClr>
-                </a:solidFill>
-                <a:latin typeface="Consolas" panose="020B0609020204030204" pitchFamily="49" charset="0"/>
-              </a:rPr>
-              <a:t>List</a:t>
-            </a:r>
-            <a:r>
               <a:rPr lang="da-DK" sz="2000" b="1">
                 <a:latin typeface="Consolas" panose="020B0609020204030204" pitchFamily="49" charset="0"/>
               </a:rPr>
@@ -17138,34 +17198,22 @@
               <a:rPr lang="en-US" sz="2000" b="1" smtClean="0">
                 <a:latin typeface="Consolas" panose="020B0609020204030204" pitchFamily="49" charset="0"/>
               </a:rPr>
-              <a:t> </a:t>
+              <a:t> (</a:t>
             </a:r>
             <a:r>
               <a:rPr lang="en-US" sz="2000" b="1" smtClean="0">
-                <a:latin typeface="Consolas" panose="020B0609020204030204" pitchFamily="49" charset="0"/>
-              </a:rPr>
-              <a:t>(</a:t>
+                <a:solidFill>
+                  <a:srgbClr val="0070C0"/>
+                </a:solidFill>
+                <a:latin typeface="Consolas" panose="020B0609020204030204" pitchFamily="49" charset="0"/>
+              </a:rPr>
+              <a:t>int</a:t>
             </a:r>
             <a:r>
               <a:rPr lang="en-US" sz="2000" b="1" smtClean="0">
-                <a:solidFill>
-                  <a:srgbClr val="0070C0"/>
-                </a:solidFill>
-                <a:latin typeface="Consolas" panose="020B0609020204030204" pitchFamily="49" charset="0"/>
-              </a:rPr>
-              <a:t>int</a:t>
-            </a:r>
-            <a:r>
-              <a:rPr lang="en-US" sz="2000" b="1" smtClean="0">
-                <a:latin typeface="Consolas" panose="020B0609020204030204" pitchFamily="49" charset="0"/>
-              </a:rPr>
-              <a:t> </a:t>
-            </a:r>
-            <a:r>
-              <a:rPr lang="en-US" sz="2000" b="1" smtClean="0">
-                <a:latin typeface="Consolas" panose="020B0609020204030204" pitchFamily="49" charset="0"/>
-              </a:rPr>
-              <a:t>v </a:t>
+                <a:latin typeface="Consolas" panose="020B0609020204030204" pitchFamily="49" charset="0"/>
+              </a:rPr>
+              <a:t> v </a:t>
             </a:r>
             <a:r>
               <a:rPr lang="en-US" sz="2000" b="1">
@@ -17226,40 +17274,16 @@
               <a:rPr lang="da-DK" sz="2000" b="1" smtClean="0">
                 <a:latin typeface="Consolas" panose="020B0609020204030204" pitchFamily="49" charset="0"/>
               </a:rPr>
-              <a:t> </a:t>
+              <a:t> (</a:t>
             </a:r>
             <a:r>
               <a:rPr lang="da-DK" sz="2000" b="1" smtClean="0">
-                <a:latin typeface="Consolas" panose="020B0609020204030204" pitchFamily="49" charset="0"/>
-              </a:rPr>
-              <a:t>(</a:t>
-            </a:r>
-            <a:r>
-              <a:rPr lang="da-DK" sz="2000" b="1" smtClean="0">
                 <a:solidFill>
                   <a:srgbClr val="FF0000"/>
                 </a:solidFill>
                 <a:latin typeface="Consolas" panose="020B0609020204030204" pitchFamily="49" charset="0"/>
               </a:rPr>
-              <a:t>conditionObj.</a:t>
-            </a:r>
-            <a:r>
-              <a:rPr lang="da-DK" sz="2000" b="1" smtClean="0">
-                <a:solidFill>
-                  <a:srgbClr val="FF0000"/>
-                </a:solidFill>
-                <a:latin typeface="Consolas" panose="020B0609020204030204" pitchFamily="49" charset="0"/>
-              </a:rPr>
-              <a:t>Condition(v</a:t>
-            </a:r>
-            <a:r>
-              <a:rPr lang="da-DK" sz="2000" b="1" smtClean="0">
-                <a:solidFill>
-                  <a:srgbClr val="FF0000"/>
-                </a:solidFill>
-                <a:latin typeface="Consolas" panose="020B0609020204030204" pitchFamily="49" charset="0"/>
-              </a:rPr>
-              <a:t>)</a:t>
+              <a:t>conditionObj.Condition(v)</a:t>
             </a:r>
             <a:r>
               <a:rPr lang="da-DK" sz="2000" b="1" smtClean="0">
@@ -17413,12 +17437,12 @@
         <p:spPr>
           <a:xfrm>
             <a:off x="9065796" y="2088854"/>
-            <a:ext cx="2454508" cy="864101"/>
+            <a:ext cx="2621568" cy="864101"/>
           </a:xfrm>
           <a:prstGeom prst="wedgeRectCallout">
             <a:avLst>
-              <a:gd name="adj1" fmla="val 33492"/>
-              <a:gd name="adj2" fmla="val -113139"/>
+              <a:gd name="adj1" fmla="val -12150"/>
+              <a:gd name="adj2" fmla="val -133462"/>
             </a:avLst>
           </a:prstGeom>
           <a:solidFill>
@@ -17453,7 +17477,7 @@
                   <a:schemeClr val="tx1"/>
                 </a:solidFill>
               </a:rPr>
-              <a:t>Criterion supplied by </a:t>
+              <a:t>Condition supplied by </a:t>
             </a:r>
             <a:r>
               <a:rPr lang="da-DK" sz="2400" u="sng" smtClean="0">
